--- a/2025/2025-02-28-AI-Updates.pptx
+++ b/2025/2025-02-28-AI-Updates.pptx
@@ -5,7 +5,7 @@
     <p:sldMasterId id="2147483661" r:id="rId1"/>
   </p:sldMasterIdLst>
   <p:notesMasterIdLst>
-    <p:notesMasterId r:id="rId16"/>
+    <p:notesMasterId r:id="rId18"/>
   </p:notesMasterIdLst>
   <p:sldIdLst>
     <p:sldId id="256" r:id="rId2"/>
@@ -22,6 +22,8 @@
     <p:sldId id="267" r:id="rId13"/>
     <p:sldId id="268" r:id="rId14"/>
     <p:sldId id="269" r:id="rId15"/>
+    <p:sldId id="270" r:id="rId16"/>
+    <p:sldId id="271" r:id="rId17"/>
   </p:sldIdLst>
   <p:sldSz cx="9144000" cy="5143500" type="screen16x9"/>
   <p:notesSz cx="6858000" cy="9144000"/>
@@ -963,7 +965,7 @@
   <p:cSld>
     <p:spTree>
       <p:nvGrpSpPr>
-        <p:cNvPr id="1" name="Shape 154"/>
+        <p:cNvPr id="1" name="Shape 155"/>
         <p:cNvGrpSpPr/>
         <p:nvPr/>
       </p:nvGrpSpPr>
@@ -977,7 +979,7 @@
       </p:grpSpPr>
       <p:sp>
         <p:nvSpPr>
-          <p:cNvPr id="155" name="Google Shape;155;g2d99c320670_0_3:notes"/>
+          <p:cNvPr id="156" name="Google Shape;156;g2d99c320670_0_3:notes"/>
           <p:cNvSpPr>
             <a:spLocks noGrp="1" noRot="1" noChangeAspect="1"/>
           </p:cNvSpPr>
@@ -1028,7 +1030,7 @@
       </p:sp>
       <p:sp>
         <p:nvSpPr>
-          <p:cNvPr id="156" name="Google Shape;156;g2d99c320670_0_3:notes"/>
+          <p:cNvPr id="157" name="Google Shape;157;g2d99c320670_0_3:notes"/>
           <p:cNvSpPr txBox="1">
             <a:spLocks noGrp="1"/>
           </p:cNvSpPr>
@@ -1085,7 +1087,7 @@
   <p:cSld>
     <p:spTree>
       <p:nvGrpSpPr>
-        <p:cNvPr id="1" name="Shape 161"/>
+        <p:cNvPr id="1" name="Shape 162"/>
         <p:cNvGrpSpPr/>
         <p:nvPr/>
       </p:nvGrpSpPr>
@@ -1099,7 +1101,129 @@
       </p:grpSpPr>
       <p:sp>
         <p:nvSpPr>
-          <p:cNvPr id="162" name="Google Shape;162;g2f03ac7ac9f_0_5:notes"/>
+          <p:cNvPr id="163" name="Google Shape;163;g2dce0d38052_2_0:notes"/>
+          <p:cNvSpPr>
+            <a:spLocks noGrp="1" noRot="1" noChangeAspect="1"/>
+          </p:cNvSpPr>
+          <p:nvPr>
+            <p:ph type="sldImg" idx="2"/>
+          </p:nvPr>
+        </p:nvSpPr>
+        <p:spPr>
+          <a:xfrm>
+            <a:off x="381000" y="685800"/>
+            <a:ext cx="6096000" cy="3429000"/>
+          </a:xfrm>
+          <a:custGeom>
+            <a:avLst/>
+            <a:gdLst/>
+            <a:ahLst/>
+            <a:cxnLst/>
+            <a:rect l="l" t="t" r="r" b="b"/>
+            <a:pathLst>
+              <a:path w="120000" h="120000" extrusionOk="0">
+                <a:moveTo>
+                  <a:pt x="0" y="0"/>
+                </a:moveTo>
+                <a:lnTo>
+                  <a:pt x="120000" y="0"/>
+                </a:lnTo>
+                <a:lnTo>
+                  <a:pt x="120000" y="120000"/>
+                </a:lnTo>
+                <a:lnTo>
+                  <a:pt x="0" y="120000"/>
+                </a:lnTo>
+                <a:close/>
+              </a:path>
+            </a:pathLst>
+          </a:custGeom>
+          <a:noFill/>
+          <a:ln w="9525" cap="flat" cmpd="sng">
+            <a:solidFill>
+              <a:srgbClr val="000000"/>
+            </a:solidFill>
+            <a:prstDash val="solid"/>
+            <a:round/>
+            <a:headEnd type="none" w="sm" len="sm"/>
+            <a:tailEnd type="none" w="sm" len="sm"/>
+          </a:ln>
+        </p:spPr>
+      </p:sp>
+      <p:sp>
+        <p:nvSpPr>
+          <p:cNvPr id="164" name="Google Shape;164;g2dce0d38052_2_0:notes"/>
+          <p:cNvSpPr txBox="1">
+            <a:spLocks noGrp="1"/>
+          </p:cNvSpPr>
+          <p:nvPr>
+            <p:ph type="body" idx="1"/>
+          </p:nvPr>
+        </p:nvSpPr>
+        <p:spPr>
+          <a:xfrm>
+            <a:off x="685800" y="4343400"/>
+            <a:ext cx="5486400" cy="4114800"/>
+          </a:xfrm>
+          <a:prstGeom prst="rect">
+            <a:avLst/>
+          </a:prstGeom>
+          <a:noFill/>
+          <a:ln>
+            <a:noFill/>
+          </a:ln>
+        </p:spPr>
+        <p:txBody>
+          <a:bodyPr spcFirstLastPara="1" wrap="square" lIns="91425" tIns="91425" rIns="91425" bIns="91425" anchor="t" anchorCtr="0">
+            <a:noAutofit/>
+          </a:bodyPr>
+          <a:lstStyle/>
+          <a:p>
+            <a:pPr marL="0" lvl="0" indent="0" algn="l" rtl="0">
+              <a:lnSpc>
+                <a:spcPct val="100000"/>
+              </a:lnSpc>
+              <a:spcBef>
+                <a:spcPts val="0"/>
+              </a:spcBef>
+              <a:spcAft>
+                <a:spcPts val="0"/>
+              </a:spcAft>
+              <a:buSzPts val="1100"/>
+              <a:buNone/>
+            </a:pPr>
+            <a:endParaRPr/>
+          </a:p>
+        </p:txBody>
+      </p:sp>
+    </p:spTree>
+  </p:cSld>
+  <p:clrMapOvr>
+    <a:masterClrMapping/>
+  </p:clrMapOvr>
+</p:notes>
+</file>
+
+<file path=ppt/notesSlides/notesSlide12.xml><?xml version="1.0" encoding="utf-8"?>
+<p:notes xmlns:a="http://schemas.openxmlformats.org/drawingml/2006/main" xmlns:r="http://schemas.openxmlformats.org/officeDocument/2006/relationships" xmlns:p="http://schemas.openxmlformats.org/presentationml/2006/main" showMasterSp="0" showMasterPhAnim="0">
+  <p:cSld>
+    <p:spTree>
+      <p:nvGrpSpPr>
+        <p:cNvPr id="1" name="Shape 171"/>
+        <p:cNvGrpSpPr/>
+        <p:nvPr/>
+      </p:nvGrpSpPr>
+      <p:grpSpPr>
+        <a:xfrm>
+          <a:off x="0" y="0"/>
+          <a:ext cx="0" cy="0"/>
+          <a:chOff x="0" y="0"/>
+          <a:chExt cx="0" cy="0"/>
+        </a:xfrm>
+      </p:grpSpPr>
+      <p:sp>
+        <p:nvSpPr>
+          <p:cNvPr id="172" name="Google Shape;172;g2f03ac7ac9f_0_5:notes"/>
           <p:cNvSpPr>
             <a:spLocks noGrp="1" noRot="1" noChangeAspect="1"/>
           </p:cNvSpPr>
@@ -1150,7 +1274,7 @@
       </p:sp>
       <p:sp>
         <p:nvSpPr>
-          <p:cNvPr id="163" name="Google Shape;163;g2f03ac7ac9f_0_5:notes"/>
+          <p:cNvPr id="173" name="Google Shape;173;g2f03ac7ac9f_0_5:notes"/>
           <p:cNvSpPr txBox="1">
             <a:spLocks noGrp="1"/>
           </p:cNvSpPr>
@@ -1202,12 +1326,12 @@
 </p:notes>
 </file>
 
-<file path=ppt/notesSlides/notesSlide12.xml><?xml version="1.0" encoding="utf-8"?>
+<file path=ppt/notesSlides/notesSlide13.xml><?xml version="1.0" encoding="utf-8"?>
 <p:notes xmlns:a="http://schemas.openxmlformats.org/drawingml/2006/main" xmlns:r="http://schemas.openxmlformats.org/officeDocument/2006/relationships" xmlns:p="http://schemas.openxmlformats.org/presentationml/2006/main" showMasterSp="0" showMasterPhAnim="0">
   <p:cSld>
     <p:spTree>
       <p:nvGrpSpPr>
-        <p:cNvPr id="1" name="Shape 220"/>
+        <p:cNvPr id="1" name="Shape 230"/>
         <p:cNvGrpSpPr/>
         <p:nvPr/>
       </p:nvGrpSpPr>
@@ -1221,7 +1345,7 @@
       </p:grpSpPr>
       <p:sp>
         <p:nvSpPr>
-          <p:cNvPr id="221" name="Google Shape;221;g2d89691d4b1_3_0:notes"/>
+          <p:cNvPr id="231" name="Google Shape;231;g2dcea13964c_1_9:notes"/>
           <p:cNvSpPr>
             <a:spLocks noGrp="1" noRot="1" noChangeAspect="1"/>
           </p:cNvSpPr>
@@ -1272,7 +1396,7 @@
       </p:sp>
       <p:sp>
         <p:nvSpPr>
-          <p:cNvPr id="222" name="Google Shape;222;g2d89691d4b1_3_0:notes"/>
+          <p:cNvPr id="232" name="Google Shape;232;g2dcea13964c_1_9:notes"/>
           <p:cNvSpPr txBox="1">
             <a:spLocks noGrp="1"/>
           </p:cNvSpPr>
@@ -1324,12 +1448,12 @@
 </p:notes>
 </file>
 
-<file path=ppt/notesSlides/notesSlide13.xml><?xml version="1.0" encoding="utf-8"?>
+<file path=ppt/notesSlides/notesSlide14.xml><?xml version="1.0" encoding="utf-8"?>
 <p:notes xmlns:a="http://schemas.openxmlformats.org/drawingml/2006/main" xmlns:r="http://schemas.openxmlformats.org/officeDocument/2006/relationships" xmlns:p="http://schemas.openxmlformats.org/presentationml/2006/main" showMasterSp="0" showMasterPhAnim="0">
   <p:cSld>
     <p:spTree>
       <p:nvGrpSpPr>
-        <p:cNvPr id="1" name="Shape 232"/>
+        <p:cNvPr id="1" name="Shape 237"/>
         <p:cNvGrpSpPr/>
         <p:nvPr/>
       </p:nvGrpSpPr>
@@ -1343,7 +1467,129 @@
       </p:grpSpPr>
       <p:sp>
         <p:nvSpPr>
-          <p:cNvPr id="233" name="Google Shape;233;p22:notes"/>
+          <p:cNvPr id="238" name="Google Shape;238;g2d89691d4b1_3_0:notes"/>
+          <p:cNvSpPr>
+            <a:spLocks noGrp="1" noRot="1" noChangeAspect="1"/>
+          </p:cNvSpPr>
+          <p:nvPr>
+            <p:ph type="sldImg" idx="2"/>
+          </p:nvPr>
+        </p:nvSpPr>
+        <p:spPr>
+          <a:xfrm>
+            <a:off x="381300" y="685800"/>
+            <a:ext cx="6096000" cy="3429000"/>
+          </a:xfrm>
+          <a:custGeom>
+            <a:avLst/>
+            <a:gdLst/>
+            <a:ahLst/>
+            <a:cxnLst/>
+            <a:rect l="l" t="t" r="r" b="b"/>
+            <a:pathLst>
+              <a:path w="120000" h="120000" extrusionOk="0">
+                <a:moveTo>
+                  <a:pt x="0" y="0"/>
+                </a:moveTo>
+                <a:lnTo>
+                  <a:pt x="120000" y="0"/>
+                </a:lnTo>
+                <a:lnTo>
+                  <a:pt x="120000" y="120000"/>
+                </a:lnTo>
+                <a:lnTo>
+                  <a:pt x="0" y="120000"/>
+                </a:lnTo>
+                <a:close/>
+              </a:path>
+            </a:pathLst>
+          </a:custGeom>
+          <a:noFill/>
+          <a:ln w="9525" cap="flat" cmpd="sng">
+            <a:solidFill>
+              <a:srgbClr val="000000"/>
+            </a:solidFill>
+            <a:prstDash val="solid"/>
+            <a:round/>
+            <a:headEnd type="none" w="sm" len="sm"/>
+            <a:tailEnd type="none" w="sm" len="sm"/>
+          </a:ln>
+        </p:spPr>
+      </p:sp>
+      <p:sp>
+        <p:nvSpPr>
+          <p:cNvPr id="239" name="Google Shape;239;g2d89691d4b1_3_0:notes"/>
+          <p:cNvSpPr txBox="1">
+            <a:spLocks noGrp="1"/>
+          </p:cNvSpPr>
+          <p:nvPr>
+            <p:ph type="body" idx="1"/>
+          </p:nvPr>
+        </p:nvSpPr>
+        <p:spPr>
+          <a:xfrm>
+            <a:off x="685800" y="4343400"/>
+            <a:ext cx="5486400" cy="4114800"/>
+          </a:xfrm>
+          <a:prstGeom prst="rect">
+            <a:avLst/>
+          </a:prstGeom>
+          <a:noFill/>
+          <a:ln>
+            <a:noFill/>
+          </a:ln>
+        </p:spPr>
+        <p:txBody>
+          <a:bodyPr spcFirstLastPara="1" wrap="square" lIns="91425" tIns="91425" rIns="91425" bIns="91425" anchor="t" anchorCtr="0">
+            <a:noAutofit/>
+          </a:bodyPr>
+          <a:lstStyle/>
+          <a:p>
+            <a:pPr marL="0" lvl="0" indent="0" algn="l" rtl="0">
+              <a:lnSpc>
+                <a:spcPct val="100000"/>
+              </a:lnSpc>
+              <a:spcBef>
+                <a:spcPts val="0"/>
+              </a:spcBef>
+              <a:spcAft>
+                <a:spcPts val="0"/>
+              </a:spcAft>
+              <a:buSzPts val="1100"/>
+              <a:buNone/>
+            </a:pPr>
+            <a:endParaRPr/>
+          </a:p>
+        </p:txBody>
+      </p:sp>
+    </p:spTree>
+  </p:cSld>
+  <p:clrMapOvr>
+    <a:masterClrMapping/>
+  </p:clrMapOvr>
+</p:notes>
+</file>
+
+<file path=ppt/notesSlides/notesSlide15.xml><?xml version="1.0" encoding="utf-8"?>
+<p:notes xmlns:a="http://schemas.openxmlformats.org/drawingml/2006/main" xmlns:r="http://schemas.openxmlformats.org/officeDocument/2006/relationships" xmlns:p="http://schemas.openxmlformats.org/presentationml/2006/main" showMasterSp="0" showMasterPhAnim="0">
+  <p:cSld>
+    <p:spTree>
+      <p:nvGrpSpPr>
+        <p:cNvPr id="1" name="Shape 248"/>
+        <p:cNvGrpSpPr/>
+        <p:nvPr/>
+      </p:nvGrpSpPr>
+      <p:grpSpPr>
+        <a:xfrm>
+          <a:off x="0" y="0"/>
+          <a:ext cx="0" cy="0"/>
+          <a:chOff x="0" y="0"/>
+          <a:chExt cx="0" cy="0"/>
+        </a:xfrm>
+      </p:grpSpPr>
+      <p:sp>
+        <p:nvSpPr>
+          <p:cNvPr id="249" name="Google Shape;249;p22:notes"/>
           <p:cNvSpPr>
             <a:spLocks noGrp="1" noRot="1" noChangeAspect="1"/>
           </p:cNvSpPr>
@@ -1394,7 +1640,7 @@
       </p:sp>
       <p:sp>
         <p:nvSpPr>
-          <p:cNvPr id="234" name="Google Shape;234;p22:notes"/>
+          <p:cNvPr id="250" name="Google Shape;250;p22:notes"/>
           <p:cNvSpPr txBox="1">
             <a:spLocks noGrp="1"/>
           </p:cNvSpPr>
@@ -1446,12 +1692,12 @@
 </p:notes>
 </file>
 
-<file path=ppt/notesSlides/notesSlide14.xml><?xml version="1.0" encoding="utf-8"?>
+<file path=ppt/notesSlides/notesSlide16.xml><?xml version="1.0" encoding="utf-8"?>
 <p:notes xmlns:a="http://schemas.openxmlformats.org/drawingml/2006/main" xmlns:r="http://schemas.openxmlformats.org/officeDocument/2006/relationships" xmlns:p="http://schemas.openxmlformats.org/presentationml/2006/main" showMasterSp="0" showMasterPhAnim="0">
   <p:cSld>
     <p:spTree>
       <p:nvGrpSpPr>
-        <p:cNvPr id="1" name="Shape 242"/>
+        <p:cNvPr id="1" name="Shape 258"/>
         <p:cNvGrpSpPr/>
         <p:nvPr/>
       </p:nvGrpSpPr>
@@ -1465,7 +1711,7 @@
       </p:grpSpPr>
       <p:sp>
         <p:nvSpPr>
-          <p:cNvPr id="243" name="Google Shape;243;p23:notes"/>
+          <p:cNvPr id="259" name="Google Shape;259;p23:notes"/>
           <p:cNvSpPr>
             <a:spLocks noGrp="1" noRot="1" noChangeAspect="1"/>
           </p:cNvSpPr>
@@ -1516,7 +1762,7 @@
       </p:sp>
       <p:sp>
         <p:nvSpPr>
-          <p:cNvPr id="244" name="Google Shape;244;p23:notes"/>
+          <p:cNvPr id="260" name="Google Shape;260;p23:notes"/>
           <p:cNvSpPr txBox="1">
             <a:spLocks noGrp="1"/>
           </p:cNvSpPr>
@@ -1817,7 +2063,7 @@
   <p:cSld>
     <p:spTree>
       <p:nvGrpSpPr>
-        <p:cNvPr id="1" name="Shape 86"/>
+        <p:cNvPr id="1" name="Shape 87"/>
         <p:cNvGrpSpPr/>
         <p:nvPr/>
       </p:nvGrpSpPr>
@@ -1831,7 +2077,7 @@
       </p:grpSpPr>
       <p:sp>
         <p:nvSpPr>
-          <p:cNvPr id="87" name="Google Shape;87;g339897d6526_0_0:notes"/>
+          <p:cNvPr id="88" name="Google Shape;88;g339897d6526_0_0:notes"/>
           <p:cNvSpPr>
             <a:spLocks noGrp="1" noRot="1" noChangeAspect="1"/>
           </p:cNvSpPr>
@@ -1882,7 +2128,7 @@
       </p:sp>
       <p:sp>
         <p:nvSpPr>
-          <p:cNvPr id="88" name="Google Shape;88;g339897d6526_0_0:notes"/>
+          <p:cNvPr id="89" name="Google Shape;89;g339897d6526_0_0:notes"/>
           <p:cNvSpPr txBox="1">
             <a:spLocks noGrp="1"/>
           </p:cNvSpPr>
@@ -1939,7 +2185,7 @@
   <p:cSld>
     <p:spTree>
       <p:nvGrpSpPr>
-        <p:cNvPr id="1" name="Shape 97"/>
+        <p:cNvPr id="1" name="Shape 98"/>
         <p:cNvGrpSpPr/>
         <p:nvPr/>
       </p:nvGrpSpPr>
@@ -1953,7 +2199,7 @@
       </p:grpSpPr>
       <p:sp>
         <p:nvSpPr>
-          <p:cNvPr id="98" name="Google Shape;98;g2dcdf989981_0_12:notes"/>
+          <p:cNvPr id="99" name="Google Shape;99;g2dcdf989981_0_12:notes"/>
           <p:cNvSpPr>
             <a:spLocks noGrp="1" noRot="1" noChangeAspect="1"/>
           </p:cNvSpPr>
@@ -2004,7 +2250,7 @@
       </p:sp>
       <p:sp>
         <p:nvSpPr>
-          <p:cNvPr id="99" name="Google Shape;99;g2dcdf989981_0_12:notes"/>
+          <p:cNvPr id="100" name="Google Shape;100;g2dcdf989981_0_12:notes"/>
           <p:cNvSpPr txBox="1">
             <a:spLocks noGrp="1"/>
           </p:cNvSpPr>
@@ -2061,7 +2307,7 @@
   <p:cSld>
     <p:spTree>
       <p:nvGrpSpPr>
-        <p:cNvPr id="1" name="Shape 105"/>
+        <p:cNvPr id="1" name="Shape 106"/>
         <p:cNvGrpSpPr/>
         <p:nvPr/>
       </p:nvGrpSpPr>
@@ -2075,7 +2321,7 @@
       </p:grpSpPr>
       <p:sp>
         <p:nvSpPr>
-          <p:cNvPr id="106" name="Google Shape;106;g339428f40a7_0_0:notes"/>
+          <p:cNvPr id="107" name="Google Shape;107;g339428f40a7_0_0:notes"/>
           <p:cNvSpPr>
             <a:spLocks noGrp="1" noRot="1" noChangeAspect="1"/>
           </p:cNvSpPr>
@@ -2126,7 +2372,7 @@
       </p:sp>
       <p:sp>
         <p:nvSpPr>
-          <p:cNvPr id="107" name="Google Shape;107;g339428f40a7_0_0:notes"/>
+          <p:cNvPr id="108" name="Google Shape;108;g339428f40a7_0_0:notes"/>
           <p:cNvSpPr txBox="1">
             <a:spLocks noGrp="1"/>
           </p:cNvSpPr>
@@ -2183,7 +2429,7 @@
   <p:cSld>
     <p:spTree>
       <p:nvGrpSpPr>
-        <p:cNvPr id="1" name="Shape 114"/>
+        <p:cNvPr id="1" name="Shape 115"/>
         <p:cNvGrpSpPr/>
         <p:nvPr/>
       </p:nvGrpSpPr>
@@ -2197,7 +2443,7 @@
       </p:grpSpPr>
       <p:sp>
         <p:nvSpPr>
-          <p:cNvPr id="115" name="Google Shape;115;g2d9ac686780_0_0:notes"/>
+          <p:cNvPr id="116" name="Google Shape;116;g2d9ac686780_0_0:notes"/>
           <p:cNvSpPr>
             <a:spLocks noGrp="1" noRot="1" noChangeAspect="1"/>
           </p:cNvSpPr>
@@ -2248,7 +2494,7 @@
       </p:sp>
       <p:sp>
         <p:nvSpPr>
-          <p:cNvPr id="116" name="Google Shape;116;g2d9ac686780_0_0:notes"/>
+          <p:cNvPr id="117" name="Google Shape;117;g2d9ac686780_0_0:notes"/>
           <p:cNvSpPr txBox="1">
             <a:spLocks noGrp="1"/>
           </p:cNvSpPr>
@@ -2305,7 +2551,7 @@
   <p:cSld>
     <p:spTree>
       <p:nvGrpSpPr>
-        <p:cNvPr id="1" name="Shape 128"/>
+        <p:cNvPr id="1" name="Shape 129"/>
         <p:cNvGrpSpPr/>
         <p:nvPr/>
       </p:nvGrpSpPr>
@@ -2319,7 +2565,7 @@
       </p:grpSpPr>
       <p:sp>
         <p:nvSpPr>
-          <p:cNvPr id="129" name="Google Shape;129;g2d99c320670_0_9:notes"/>
+          <p:cNvPr id="130" name="Google Shape;130;g2d99c320670_0_9:notes"/>
           <p:cNvSpPr>
             <a:spLocks noGrp="1" noRot="1" noChangeAspect="1"/>
           </p:cNvSpPr>
@@ -2370,7 +2616,7 @@
       </p:sp>
       <p:sp>
         <p:nvSpPr>
-          <p:cNvPr id="130" name="Google Shape;130;g2d99c320670_0_9:notes"/>
+          <p:cNvPr id="131" name="Google Shape;131;g2d99c320670_0_9:notes"/>
           <p:cNvSpPr txBox="1">
             <a:spLocks noGrp="1"/>
           </p:cNvSpPr>
@@ -2427,7 +2673,7 @@
   <p:cSld>
     <p:spTree>
       <p:nvGrpSpPr>
-        <p:cNvPr id="1" name="Shape 138"/>
+        <p:cNvPr id="1" name="Shape 139"/>
         <p:cNvGrpSpPr/>
         <p:nvPr/>
       </p:nvGrpSpPr>
@@ -2441,7 +2687,7 @@
       </p:grpSpPr>
       <p:sp>
         <p:nvSpPr>
-          <p:cNvPr id="139" name="Google Shape;139;g2dcc1e61600_0_3:notes"/>
+          <p:cNvPr id="140" name="Google Shape;140;g2dcc1e61600_0_3:notes"/>
           <p:cNvSpPr>
             <a:spLocks noGrp="1" noRot="1" noChangeAspect="1"/>
           </p:cNvSpPr>
@@ -2492,7 +2738,7 @@
       </p:sp>
       <p:sp>
         <p:nvSpPr>
-          <p:cNvPr id="140" name="Google Shape;140;g2dcc1e61600_0_3:notes"/>
+          <p:cNvPr id="141" name="Google Shape;141;g2dcc1e61600_0_3:notes"/>
           <p:cNvSpPr txBox="1">
             <a:spLocks noGrp="1"/>
           </p:cNvSpPr>
@@ -12164,8 +12410,8 @@
         </p:nvSpPr>
         <p:spPr>
           <a:xfrm>
-            <a:off x="4606752" y="3519160"/>
-            <a:ext cx="4420200" cy="646500"/>
+            <a:off x="4606752" y="4022080"/>
+            <a:ext cx="4420200" cy="877200"/>
           </a:xfrm>
           <a:prstGeom prst="rect">
             <a:avLst/>
@@ -12214,6 +12460,43 @@
                 <a:sym typeface="Calibri"/>
               </a:rPr>
               <a:t>Crowd-sourced "Arena" Leaderboard</a:t>
+            </a:r>
+            <a:endParaRPr sz="1500" b="1">
+              <a:solidFill>
+                <a:srgbClr val="3C78D8"/>
+              </a:solidFill>
+              <a:latin typeface="Calibri"/>
+              <a:ea typeface="Calibri"/>
+              <a:cs typeface="Calibri"/>
+              <a:sym typeface="Calibri"/>
+            </a:endParaRPr>
+          </a:p>
+          <a:p>
+            <a:pPr marL="228600" lvl="0" indent="-209550" algn="l" rtl="0">
+              <a:spcBef>
+                <a:spcPts val="0"/>
+              </a:spcBef>
+              <a:spcAft>
+                <a:spcPts val="0"/>
+              </a:spcAft>
+              <a:buClr>
+                <a:srgbClr val="3C78D8"/>
+              </a:buClr>
+              <a:buSzPts val="1500"/>
+              <a:buFont typeface="Calibri"/>
+              <a:buChar char="●"/>
+            </a:pPr>
+            <a:r>
+              <a:rPr lang="en" sz="1500" b="1">
+                <a:solidFill>
+                  <a:srgbClr val="3C78D8"/>
+                </a:solidFill>
+                <a:latin typeface="Calibri"/>
+                <a:ea typeface="Calibri"/>
+                <a:cs typeface="Calibri"/>
+                <a:sym typeface="Calibri"/>
+              </a:rPr>
+              <a:t>WebDev Arena Leaderboard</a:t>
             </a:r>
             <a:endParaRPr sz="1500" b="1">
               <a:solidFill>
@@ -12432,7 +12715,7 @@
                 <a:cs typeface="Calibri"/>
                 <a:sym typeface="Calibri"/>
               </a:rPr>
-              <a:t>Vibe Coding</a:t>
+              <a:t>Vibe Coding, prompt as code behind the code</a:t>
             </a:r>
             <a:endParaRPr sz="1500" b="1">
               <a:solidFill>
@@ -12603,7 +12886,7 @@
         <p:spPr>
           <a:xfrm>
             <a:off x="4606752" y="1102460"/>
-            <a:ext cx="4420200" cy="2031900"/>
+            <a:ext cx="4420200" cy="2724300"/>
           </a:xfrm>
           <a:prstGeom prst="rect">
             <a:avLst/>
@@ -12922,6 +13205,80 @@
               <a:sym typeface="Calibri"/>
             </a:endParaRPr>
           </a:p>
+          <a:p>
+            <a:pPr marL="228600" lvl="0" indent="-209550" algn="l" rtl="0">
+              <a:spcBef>
+                <a:spcPts val="0"/>
+              </a:spcBef>
+              <a:spcAft>
+                <a:spcPts val="0"/>
+              </a:spcAft>
+              <a:buClr>
+                <a:srgbClr val="3C78D8"/>
+              </a:buClr>
+              <a:buSzPts val="1500"/>
+              <a:buFont typeface="Calibri"/>
+              <a:buChar char="●"/>
+            </a:pPr>
+            <a:r>
+              <a:rPr lang="en" sz="1500" b="1">
+                <a:solidFill>
+                  <a:srgbClr val="3C78D8"/>
+                </a:solidFill>
+                <a:latin typeface="Calibri"/>
+                <a:ea typeface="Calibri"/>
+                <a:cs typeface="Calibri"/>
+                <a:sym typeface="Calibri"/>
+              </a:rPr>
+              <a:t>Amazon's new Alexa+ - $20/mo</a:t>
+            </a:r>
+            <a:endParaRPr sz="1500" b="1">
+              <a:solidFill>
+                <a:srgbClr val="3C78D8"/>
+              </a:solidFill>
+              <a:latin typeface="Calibri"/>
+              <a:ea typeface="Calibri"/>
+              <a:cs typeface="Calibri"/>
+              <a:sym typeface="Calibri"/>
+            </a:endParaRPr>
+          </a:p>
+          <a:p>
+            <a:pPr marL="228600" lvl="0" indent="-209550" algn="l" rtl="0">
+              <a:spcBef>
+                <a:spcPts val="0"/>
+              </a:spcBef>
+              <a:spcAft>
+                <a:spcPts val="0"/>
+              </a:spcAft>
+              <a:buClr>
+                <a:srgbClr val="3C78D8"/>
+              </a:buClr>
+              <a:buSzPts val="1500"/>
+              <a:buFont typeface="Calibri"/>
+              <a:buChar char="●"/>
+            </a:pPr>
+            <a:r>
+              <a:rPr lang="en" sz="1500" b="1">
+                <a:solidFill>
+                  <a:srgbClr val="3C78D8"/>
+                </a:solidFill>
+                <a:latin typeface="Calibri"/>
+                <a:ea typeface="Calibri"/>
+                <a:cs typeface="Calibri"/>
+                <a:sym typeface="Calibri"/>
+              </a:rPr>
+              <a:t>Tencent Hunyuan Turbo S AI model outruns DeepSeek</a:t>
+            </a:r>
+            <a:endParaRPr sz="1500" b="1">
+              <a:solidFill>
+                <a:srgbClr val="3C78D8"/>
+              </a:solidFill>
+              <a:latin typeface="Calibri"/>
+              <a:ea typeface="Calibri"/>
+              <a:cs typeface="Calibri"/>
+              <a:sym typeface="Calibri"/>
+            </a:endParaRPr>
+          </a:p>
         </p:txBody>
       </p:sp>
     </p:spTree>
@@ -12937,7 +13294,7 @@
   <p:cSld>
     <p:spTree>
       <p:nvGrpSpPr>
-        <p:cNvPr id="1" name="Shape 157"/>
+        <p:cNvPr id="1" name="Shape 158"/>
         <p:cNvGrpSpPr/>
         <p:nvPr/>
       </p:nvGrpSpPr>
@@ -12951,7 +13308,7 @@
       </p:grpSpPr>
       <p:sp>
         <p:nvSpPr>
-          <p:cNvPr id="158" name="Google Shape;158;p24"/>
+          <p:cNvPr id="159" name="Google Shape;159;p24"/>
           <p:cNvSpPr txBox="1"/>
           <p:nvPr/>
         </p:nvSpPr>
@@ -13014,7 +13371,7 @@
       </p:sp>
       <p:sp>
         <p:nvSpPr>
-          <p:cNvPr id="159" name="Google Shape;159;p24"/>
+          <p:cNvPr id="160" name="Google Shape;160;p24"/>
           <p:cNvSpPr txBox="1"/>
           <p:nvPr/>
         </p:nvSpPr>
@@ -13345,7 +13702,7 @@
       </p:sp>
       <p:pic>
         <p:nvPicPr>
-          <p:cNvPr id="160" name="Google Shape;160;p24"/>
+          <p:cNvPr id="161" name="Google Shape;161;p24"/>
           <p:cNvPicPr preferRelativeResize="0"/>
           <p:nvPr/>
         </p:nvPicPr>
@@ -13389,7 +13746,7 @@
   <p:cSld>
     <p:spTree>
       <p:nvGrpSpPr>
-        <p:cNvPr id="1" name="Shape 164"/>
+        <p:cNvPr id="1" name="Shape 165"/>
         <p:cNvGrpSpPr/>
         <p:nvPr/>
       </p:nvGrpSpPr>
@@ -13403,7 +13760,624 @@
       </p:grpSpPr>
       <p:sp>
         <p:nvSpPr>
-          <p:cNvPr id="165" name="Google Shape;165;p25"/>
+          <p:cNvPr id="166" name="Google Shape;166;p25"/>
+          <p:cNvSpPr txBox="1"/>
+          <p:nvPr/>
+        </p:nvSpPr>
+        <p:spPr>
+          <a:xfrm>
+            <a:off x="55075" y="-23450"/>
+            <a:ext cx="2840400" cy="326400"/>
+          </a:xfrm>
+          <a:prstGeom prst="rect">
+            <a:avLst/>
+          </a:prstGeom>
+          <a:noFill/>
+          <a:ln>
+            <a:noFill/>
+          </a:ln>
+        </p:spPr>
+        <p:txBody>
+          <a:bodyPr spcFirstLastPara="1" wrap="square" lIns="9125" tIns="9125" rIns="9125" bIns="9125" anchor="t" anchorCtr="0">
+            <a:spAutoFit/>
+          </a:bodyPr>
+          <a:lstStyle/>
+          <a:p>
+            <a:pPr marL="0" lvl="0" indent="0" algn="l" rtl="0">
+              <a:spcBef>
+                <a:spcPts val="0"/>
+              </a:spcBef>
+              <a:spcAft>
+                <a:spcPts val="0"/>
+              </a:spcAft>
+              <a:buClr>
+                <a:schemeClr val="dk1"/>
+              </a:buClr>
+              <a:buSzPts val="1100"/>
+              <a:buFont typeface="Arial"/>
+              <a:buNone/>
+            </a:pPr>
+            <a:r>
+              <a:rPr lang="en" sz="2000" b="1">
+                <a:solidFill>
+                  <a:schemeClr val="dk1"/>
+                </a:solidFill>
+                <a:latin typeface="Calibri"/>
+                <a:ea typeface="Calibri"/>
+                <a:cs typeface="Calibri"/>
+                <a:sym typeface="Calibri"/>
+              </a:rPr>
+              <a:t>More AI Updates</a:t>
+            </a:r>
+            <a:endParaRPr sz="2000" b="1">
+              <a:solidFill>
+                <a:schemeClr val="dk1"/>
+              </a:solidFill>
+              <a:latin typeface="Calibri"/>
+              <a:ea typeface="Calibri"/>
+              <a:cs typeface="Calibri"/>
+              <a:sym typeface="Calibri"/>
+            </a:endParaRPr>
+          </a:p>
+        </p:txBody>
+      </p:sp>
+      <p:sp>
+        <p:nvSpPr>
+          <p:cNvPr id="167" name="Google Shape;167;p25"/>
+          <p:cNvSpPr txBox="1"/>
+          <p:nvPr/>
+        </p:nvSpPr>
+        <p:spPr>
+          <a:xfrm>
+            <a:off x="131275" y="698325"/>
+            <a:ext cx="4467600" cy="1311300"/>
+          </a:xfrm>
+          <a:prstGeom prst="rect">
+            <a:avLst/>
+          </a:prstGeom>
+          <a:solidFill>
+            <a:srgbClr val="FFF2CC"/>
+          </a:solidFill>
+          <a:ln w="9525" cap="flat" cmpd="sng">
+            <a:solidFill>
+              <a:srgbClr val="FF0000"/>
+            </a:solidFill>
+            <a:prstDash val="solid"/>
+            <a:round/>
+            <a:headEnd type="none" w="sm" len="sm"/>
+            <a:tailEnd type="none" w="sm" len="sm"/>
+          </a:ln>
+        </p:spPr>
+        <p:txBody>
+          <a:bodyPr spcFirstLastPara="1" wrap="square" lIns="9125" tIns="9125" rIns="9125" bIns="9125" anchor="t" anchorCtr="0">
+            <a:spAutoFit/>
+          </a:bodyPr>
+          <a:lstStyle/>
+          <a:p>
+            <a:pPr marL="171450" lvl="0" indent="-133350" algn="l" rtl="0">
+              <a:spcBef>
+                <a:spcPts val="0"/>
+              </a:spcBef>
+              <a:spcAft>
+                <a:spcPts val="0"/>
+              </a:spcAft>
+              <a:buClr>
+                <a:schemeClr val="dk1"/>
+              </a:buClr>
+              <a:buSzPts val="1200"/>
+              <a:buFont typeface="Calibri"/>
+              <a:buChar char="●"/>
+            </a:pPr>
+            <a:r>
+              <a:rPr lang="en" sz="1200" b="1">
+                <a:solidFill>
+                  <a:srgbClr val="FF0000"/>
+                </a:solidFill>
+                <a:latin typeface="Calibri"/>
+                <a:ea typeface="Calibri"/>
+                <a:cs typeface="Calibri"/>
+                <a:sym typeface="Calibri"/>
+              </a:rPr>
+              <a:t>Amazon's new Alexa+ - $20/mo (or free with Amazon Prime)</a:t>
+            </a:r>
+            <a:endParaRPr sz="1200" b="1">
+              <a:solidFill>
+                <a:srgbClr val="FF0000"/>
+              </a:solidFill>
+              <a:latin typeface="Calibri"/>
+              <a:ea typeface="Calibri"/>
+              <a:cs typeface="Calibri"/>
+              <a:sym typeface="Calibri"/>
+            </a:endParaRPr>
+          </a:p>
+          <a:p>
+            <a:pPr marL="171450" lvl="0" indent="-133350" algn="l" rtl="0">
+              <a:spcBef>
+                <a:spcPts val="0"/>
+              </a:spcBef>
+              <a:spcAft>
+                <a:spcPts val="0"/>
+              </a:spcAft>
+              <a:buClr>
+                <a:schemeClr val="dk1"/>
+              </a:buClr>
+              <a:buSzPts val="1200"/>
+              <a:buFont typeface="Calibri"/>
+              <a:buChar char="●"/>
+            </a:pPr>
+            <a:r>
+              <a:rPr lang="en" sz="1200">
+                <a:solidFill>
+                  <a:schemeClr val="dk1"/>
+                </a:solidFill>
+                <a:latin typeface="Calibri"/>
+                <a:ea typeface="Calibri"/>
+                <a:cs typeface="Calibri"/>
+                <a:sym typeface="Calibri"/>
+              </a:rPr>
+              <a:t>AI-powered digital assistant</a:t>
+            </a:r>
+            <a:endParaRPr sz="1200">
+              <a:solidFill>
+                <a:schemeClr val="dk1"/>
+              </a:solidFill>
+              <a:latin typeface="Calibri"/>
+              <a:ea typeface="Calibri"/>
+              <a:cs typeface="Calibri"/>
+              <a:sym typeface="Calibri"/>
+            </a:endParaRPr>
+          </a:p>
+          <a:p>
+            <a:pPr marL="171450" lvl="0" indent="-133350" algn="l" rtl="0">
+              <a:spcBef>
+                <a:spcPts val="0"/>
+              </a:spcBef>
+              <a:spcAft>
+                <a:spcPts val="0"/>
+              </a:spcAft>
+              <a:buClr>
+                <a:schemeClr val="dk1"/>
+              </a:buClr>
+              <a:buSzPts val="1200"/>
+              <a:buFont typeface="Calibri"/>
+              <a:buChar char="●"/>
+            </a:pPr>
+            <a:r>
+              <a:rPr lang="en" sz="1200">
+                <a:solidFill>
+                  <a:schemeClr val="dk1"/>
+                </a:solidFill>
+                <a:latin typeface="Calibri"/>
+                <a:ea typeface="Calibri"/>
+                <a:cs typeface="Calibri"/>
+                <a:sym typeface="Calibri"/>
+              </a:rPr>
+              <a:t>Can handle complex tasks like making reservations or buying tickets</a:t>
+            </a:r>
+            <a:endParaRPr sz="1200">
+              <a:solidFill>
+                <a:schemeClr val="dk1"/>
+              </a:solidFill>
+              <a:latin typeface="Calibri"/>
+              <a:ea typeface="Calibri"/>
+              <a:cs typeface="Calibri"/>
+              <a:sym typeface="Calibri"/>
+            </a:endParaRPr>
+          </a:p>
+          <a:p>
+            <a:pPr marL="171450" lvl="0" indent="-133350" algn="l" rtl="0">
+              <a:spcBef>
+                <a:spcPts val="0"/>
+              </a:spcBef>
+              <a:spcAft>
+                <a:spcPts val="0"/>
+              </a:spcAft>
+              <a:buClr>
+                <a:schemeClr val="dk1"/>
+              </a:buClr>
+              <a:buSzPts val="1200"/>
+              <a:buFont typeface="Calibri"/>
+              <a:buChar char="●"/>
+            </a:pPr>
+            <a:r>
+              <a:rPr lang="en" sz="1200">
+                <a:solidFill>
+                  <a:schemeClr val="dk1"/>
+                </a:solidFill>
+                <a:latin typeface="Calibri"/>
+                <a:ea typeface="Calibri"/>
+                <a:cs typeface="Calibri"/>
+                <a:sym typeface="Calibri"/>
+              </a:rPr>
+              <a:t>It uses different AI models to choose the best one for each job</a:t>
+            </a:r>
+            <a:endParaRPr sz="1200">
+              <a:solidFill>
+                <a:schemeClr val="dk1"/>
+              </a:solidFill>
+              <a:latin typeface="Calibri"/>
+              <a:ea typeface="Calibri"/>
+              <a:cs typeface="Calibri"/>
+              <a:sym typeface="Calibri"/>
+            </a:endParaRPr>
+          </a:p>
+          <a:p>
+            <a:pPr marL="171450" lvl="0" indent="-133350" algn="l" rtl="0">
+              <a:spcBef>
+                <a:spcPts val="0"/>
+              </a:spcBef>
+              <a:spcAft>
+                <a:spcPts val="0"/>
+              </a:spcAft>
+              <a:buClr>
+                <a:schemeClr val="dk1"/>
+              </a:buClr>
+              <a:buSzPts val="1200"/>
+              <a:buFont typeface="Calibri"/>
+              <a:buChar char="●"/>
+            </a:pPr>
+            <a:r>
+              <a:rPr lang="en" sz="1200">
+                <a:solidFill>
+                  <a:schemeClr val="dk1"/>
+                </a:solidFill>
+                <a:latin typeface="Calibri"/>
+                <a:ea typeface="Calibri"/>
+                <a:cs typeface="Calibri"/>
+                <a:sym typeface="Calibri"/>
+              </a:rPr>
+              <a:t>Alexa+ remembers your preferences and keeps track of conversations. </a:t>
+            </a:r>
+            <a:endParaRPr sz="1200">
+              <a:solidFill>
+                <a:schemeClr val="dk1"/>
+              </a:solidFill>
+              <a:latin typeface="Calibri"/>
+              <a:ea typeface="Calibri"/>
+              <a:cs typeface="Calibri"/>
+              <a:sym typeface="Calibri"/>
+            </a:endParaRPr>
+          </a:p>
+          <a:p>
+            <a:pPr marL="171450" lvl="0" indent="-133350" algn="l" rtl="0">
+              <a:spcBef>
+                <a:spcPts val="0"/>
+              </a:spcBef>
+              <a:spcAft>
+                <a:spcPts val="0"/>
+              </a:spcAft>
+              <a:buClr>
+                <a:schemeClr val="dk1"/>
+              </a:buClr>
+              <a:buSzPts val="1200"/>
+              <a:buFont typeface="Calibri"/>
+              <a:buChar char="●"/>
+            </a:pPr>
+            <a:r>
+              <a:rPr lang="en" sz="1200">
+                <a:solidFill>
+                  <a:schemeClr val="dk1"/>
+                </a:solidFill>
+                <a:latin typeface="Calibri"/>
+                <a:ea typeface="Calibri"/>
+                <a:cs typeface="Calibri"/>
+                <a:sym typeface="Calibri"/>
+              </a:rPr>
+              <a:t>It works with many services</a:t>
+            </a:r>
+            <a:endParaRPr sz="900">
+              <a:solidFill>
+                <a:schemeClr val="dk1"/>
+              </a:solidFill>
+              <a:latin typeface="Calibri"/>
+              <a:ea typeface="Calibri"/>
+              <a:cs typeface="Calibri"/>
+              <a:sym typeface="Calibri"/>
+            </a:endParaRPr>
+          </a:p>
+        </p:txBody>
+      </p:sp>
+      <p:sp>
+        <p:nvSpPr>
+          <p:cNvPr id="168" name="Google Shape;168;p25"/>
+          <p:cNvSpPr txBox="1"/>
+          <p:nvPr/>
+        </p:nvSpPr>
+        <p:spPr>
+          <a:xfrm>
+            <a:off x="131275" y="2202000"/>
+            <a:ext cx="4467600" cy="1403700"/>
+          </a:xfrm>
+          <a:prstGeom prst="rect">
+            <a:avLst/>
+          </a:prstGeom>
+          <a:solidFill>
+            <a:srgbClr val="FFF2CC"/>
+          </a:solidFill>
+          <a:ln w="9525" cap="flat" cmpd="sng">
+            <a:solidFill>
+              <a:srgbClr val="FF0000"/>
+            </a:solidFill>
+            <a:prstDash val="solid"/>
+            <a:round/>
+            <a:headEnd type="none" w="sm" len="sm"/>
+            <a:tailEnd type="none" w="sm" len="sm"/>
+          </a:ln>
+        </p:spPr>
+        <p:txBody>
+          <a:bodyPr spcFirstLastPara="1" wrap="square" lIns="9125" tIns="9125" rIns="9125" bIns="9125" anchor="t" anchorCtr="0">
+            <a:spAutoFit/>
+          </a:bodyPr>
+          <a:lstStyle/>
+          <a:p>
+            <a:pPr marL="171450" lvl="0" indent="-133350" algn="l" rtl="0">
+              <a:spcBef>
+                <a:spcPts val="0"/>
+              </a:spcBef>
+              <a:spcAft>
+                <a:spcPts val="0"/>
+              </a:spcAft>
+              <a:buClr>
+                <a:schemeClr val="dk1"/>
+              </a:buClr>
+              <a:buSzPts val="1200"/>
+              <a:buFont typeface="Calibri"/>
+              <a:buChar char="●"/>
+            </a:pPr>
+            <a:r>
+              <a:rPr lang="en" sz="1200" b="1">
+                <a:solidFill>
+                  <a:srgbClr val="FF0000"/>
+                </a:solidFill>
+                <a:latin typeface="Calibri"/>
+                <a:ea typeface="Calibri"/>
+                <a:cs typeface="Calibri"/>
+                <a:sym typeface="Calibri"/>
+              </a:rPr>
+              <a:t>Tencent Hunyuan Turbo S AI model Can Outrun DeepSeek</a:t>
+            </a:r>
+            <a:endParaRPr sz="1200" b="1">
+              <a:solidFill>
+                <a:srgbClr val="FF0000"/>
+              </a:solidFill>
+              <a:latin typeface="Calibri"/>
+              <a:ea typeface="Calibri"/>
+              <a:cs typeface="Calibri"/>
+              <a:sym typeface="Calibri"/>
+            </a:endParaRPr>
+          </a:p>
+          <a:p>
+            <a:pPr marL="171450" lvl="0" indent="-133350" algn="l" rtl="0">
+              <a:spcBef>
+                <a:spcPts val="0"/>
+              </a:spcBef>
+              <a:spcAft>
+                <a:spcPts val="0"/>
+              </a:spcAft>
+              <a:buClr>
+                <a:schemeClr val="dk1"/>
+              </a:buClr>
+              <a:buSzPts val="1200"/>
+              <a:buFont typeface="Calibri"/>
+              <a:buChar char="●"/>
+            </a:pPr>
+            <a:r>
+              <a:rPr lang="en" sz="1200">
+                <a:solidFill>
+                  <a:schemeClr val="dk1"/>
+                </a:solidFill>
+                <a:latin typeface="Calibri"/>
+                <a:ea typeface="Calibri"/>
+                <a:cs typeface="Calibri"/>
+                <a:sym typeface="Calibri"/>
+              </a:rPr>
+              <a:t>Chinese tech giant Tencent said its new artificial intelligence model is faster than that of DeepSeek</a:t>
+            </a:r>
+            <a:endParaRPr sz="1200">
+              <a:solidFill>
+                <a:schemeClr val="dk1"/>
+              </a:solidFill>
+              <a:latin typeface="Calibri"/>
+              <a:ea typeface="Calibri"/>
+              <a:cs typeface="Calibri"/>
+              <a:sym typeface="Calibri"/>
+            </a:endParaRPr>
+          </a:p>
+          <a:p>
+            <a:pPr marL="171450" lvl="0" indent="-133350" algn="l" rtl="0">
+              <a:spcBef>
+                <a:spcPts val="0"/>
+              </a:spcBef>
+              <a:spcAft>
+                <a:spcPts val="0"/>
+              </a:spcAft>
+              <a:buClr>
+                <a:schemeClr val="dk1"/>
+              </a:buClr>
+              <a:buSzPts val="1200"/>
+              <a:buFont typeface="Calibri"/>
+              <a:buChar char="●"/>
+            </a:pPr>
+            <a:r>
+              <a:rPr lang="en" sz="1200">
+                <a:solidFill>
+                  <a:schemeClr val="dk1"/>
+                </a:solidFill>
+                <a:latin typeface="Calibri"/>
+                <a:ea typeface="Calibri"/>
+                <a:cs typeface="Calibri"/>
+                <a:sym typeface="Calibri"/>
+              </a:rPr>
+              <a:t>The company’s Hunyuan Turbo S AI model was built to respond as instantly as possible - thus distinguishing itself from the deep reasoning offered by DeepSeek, a China-based AI startup.</a:t>
+            </a:r>
+            <a:endParaRPr sz="1200">
+              <a:solidFill>
+                <a:schemeClr val="dk1"/>
+              </a:solidFill>
+              <a:latin typeface="Calibri"/>
+              <a:ea typeface="Calibri"/>
+              <a:cs typeface="Calibri"/>
+              <a:sym typeface="Calibri"/>
+            </a:endParaRPr>
+          </a:p>
+          <a:p>
+            <a:pPr marL="171450" lvl="0" indent="-114300" algn="l" rtl="0">
+              <a:spcBef>
+                <a:spcPts val="0"/>
+              </a:spcBef>
+              <a:spcAft>
+                <a:spcPts val="0"/>
+              </a:spcAft>
+              <a:buClr>
+                <a:schemeClr val="dk1"/>
+              </a:buClr>
+              <a:buSzPts val="900"/>
+              <a:buFont typeface="Calibri"/>
+              <a:buChar char="●"/>
+            </a:pPr>
+            <a:r>
+              <a:rPr lang="en" sz="900" u="sng">
+                <a:solidFill>
+                  <a:schemeClr val="hlink"/>
+                </a:solidFill>
+                <a:latin typeface="Calibri"/>
+                <a:ea typeface="Calibri"/>
+                <a:cs typeface="Calibri"/>
+                <a:sym typeface="Calibri"/>
+                <a:hlinkClick r:id="rId3"/>
+              </a:rPr>
+              <a:t>https://www.pymnts.com/news/artificial-intelligence/2025/tencent-says-new-ai-model-can-outrun-deepseek/?utm_source=substack&amp;utm_medium=email</a:t>
+            </a:r>
+            <a:r>
+              <a:rPr lang="en" sz="900">
+                <a:solidFill>
+                  <a:schemeClr val="dk1"/>
+                </a:solidFill>
+                <a:latin typeface="Calibri"/>
+                <a:ea typeface="Calibri"/>
+                <a:cs typeface="Calibri"/>
+                <a:sym typeface="Calibri"/>
+              </a:rPr>
+              <a:t> </a:t>
+            </a:r>
+            <a:endParaRPr sz="900">
+              <a:solidFill>
+                <a:schemeClr val="dk1"/>
+              </a:solidFill>
+              <a:latin typeface="Calibri"/>
+              <a:ea typeface="Calibri"/>
+              <a:cs typeface="Calibri"/>
+              <a:sym typeface="Calibri"/>
+            </a:endParaRPr>
+          </a:p>
+        </p:txBody>
+      </p:sp>
+      <p:pic>
+        <p:nvPicPr>
+          <p:cNvPr id="169" name="Google Shape;169;p25"/>
+          <p:cNvPicPr preferRelativeResize="0"/>
+          <p:nvPr/>
+        </p:nvPicPr>
+        <p:blipFill>
+          <a:blip r:embed="rId4" cstate="email">
+            <a:alphaModFix/>
+            <a:extLst>
+              <a:ext uri="{28A0092B-C50C-407E-A947-70E740481C1C}">
+                <a14:useLocalDpi xmlns:a14="http://schemas.microsoft.com/office/drawing/2010/main"/>
+              </a:ext>
+            </a:extLst>
+          </a:blip>
+          <a:stretch>
+            <a:fillRect/>
+          </a:stretch>
+        </p:blipFill>
+        <p:spPr>
+          <a:xfrm>
+            <a:off x="4773550" y="698325"/>
+            <a:ext cx="2185500" cy="1311300"/>
+          </a:xfrm>
+          <a:prstGeom prst="rect">
+            <a:avLst/>
+          </a:prstGeom>
+          <a:noFill/>
+          <a:ln w="9525" cap="flat" cmpd="sng">
+            <a:solidFill>
+              <a:srgbClr val="FF0000"/>
+            </a:solidFill>
+            <a:prstDash val="solid"/>
+            <a:round/>
+            <a:headEnd type="none" w="sm" len="sm"/>
+            <a:tailEnd type="none" w="sm" len="sm"/>
+          </a:ln>
+        </p:spPr>
+      </p:pic>
+      <p:pic>
+        <p:nvPicPr>
+          <p:cNvPr id="170" name="Google Shape;170;p25"/>
+          <p:cNvPicPr preferRelativeResize="0"/>
+          <p:nvPr/>
+        </p:nvPicPr>
+        <p:blipFill>
+          <a:blip r:embed="rId5" cstate="email">
+            <a:alphaModFix/>
+            <a:extLst>
+              <a:ext uri="{28A0092B-C50C-407E-A947-70E740481C1C}">
+                <a14:useLocalDpi xmlns:a14="http://schemas.microsoft.com/office/drawing/2010/main"/>
+              </a:ext>
+            </a:extLst>
+          </a:blip>
+          <a:stretch>
+            <a:fillRect/>
+          </a:stretch>
+        </p:blipFill>
+        <p:spPr>
+          <a:xfrm>
+            <a:off x="4751275" y="2202000"/>
+            <a:ext cx="2498254" cy="1403700"/>
+          </a:xfrm>
+          <a:prstGeom prst="rect">
+            <a:avLst/>
+          </a:prstGeom>
+          <a:noFill/>
+          <a:ln w="9525" cap="flat" cmpd="sng">
+            <a:solidFill>
+              <a:srgbClr val="FF0000"/>
+            </a:solidFill>
+            <a:prstDash val="solid"/>
+            <a:round/>
+            <a:headEnd type="none" w="sm" len="sm"/>
+            <a:tailEnd type="none" w="sm" len="sm"/>
+          </a:ln>
+        </p:spPr>
+      </p:pic>
+    </p:spTree>
+  </p:cSld>
+  <p:clrMapOvr>
+    <a:masterClrMapping/>
+  </p:clrMapOvr>
+</p:sld>
+</file>
+
+<file path=ppt/slides/slide12.xml><?xml version="1.0" encoding="utf-8"?>
+<p:sld xmlns:a="http://schemas.openxmlformats.org/drawingml/2006/main" xmlns:r="http://schemas.openxmlformats.org/officeDocument/2006/relationships" xmlns:p="http://schemas.openxmlformats.org/presentationml/2006/main">
+  <p:cSld>
+    <p:spTree>
+      <p:nvGrpSpPr>
+        <p:cNvPr id="1" name="Shape 174"/>
+        <p:cNvGrpSpPr/>
+        <p:nvPr/>
+      </p:nvGrpSpPr>
+      <p:grpSpPr>
+        <a:xfrm>
+          <a:off x="0" y="0"/>
+          <a:ext cx="0" cy="0"/>
+          <a:chOff x="0" y="0"/>
+          <a:chExt cx="0" cy="0"/>
+        </a:xfrm>
+      </p:grpSpPr>
+      <p:sp>
+        <p:nvSpPr>
+          <p:cNvPr id="175" name="Google Shape;175;p26"/>
           <p:cNvSpPr txBox="1"/>
           <p:nvPr/>
         </p:nvSpPr>
@@ -13570,7 +14544,7 @@
       </p:sp>
       <p:sp>
         <p:nvSpPr>
-          <p:cNvPr id="166" name="Google Shape;166;p25"/>
+          <p:cNvPr id="176" name="Google Shape;176;p26"/>
           <p:cNvSpPr txBox="1"/>
           <p:nvPr/>
         </p:nvSpPr>
@@ -13636,7 +14610,7 @@
       </p:sp>
       <p:sp>
         <p:nvSpPr>
-          <p:cNvPr id="167" name="Google Shape;167;p25"/>
+          <p:cNvPr id="177" name="Google Shape;177;p26"/>
           <p:cNvSpPr txBox="1"/>
           <p:nvPr/>
         </p:nvSpPr>
@@ -13762,7 +14736,7 @@
       </p:sp>
       <p:sp>
         <p:nvSpPr>
-          <p:cNvPr id="168" name="Google Shape;168;p25"/>
+          <p:cNvPr id="178" name="Google Shape;178;p26"/>
           <p:cNvSpPr txBox="1"/>
           <p:nvPr/>
         </p:nvSpPr>
@@ -13836,7 +14810,7 @@
       </p:sp>
       <p:sp>
         <p:nvSpPr>
-          <p:cNvPr id="169" name="Google Shape;169;p25"/>
+          <p:cNvPr id="179" name="Google Shape;179;p26"/>
           <p:cNvSpPr txBox="1"/>
           <p:nvPr/>
         </p:nvSpPr>
@@ -13892,7 +14866,7 @@
                 <a:cs typeface="Calibri"/>
                 <a:sym typeface="Calibri"/>
               </a:rPr>
-              <a:t>Total #models: 206</a:t>
+              <a:t>Total #models: 209</a:t>
             </a:r>
             <a:endParaRPr sz="1100">
               <a:solidFill>
@@ -13935,7 +14909,7 @@
                 <a:cs typeface="Calibri"/>
                 <a:sym typeface="Calibri"/>
               </a:rPr>
-              <a:t>Total #votes: 2,694,155</a:t>
+              <a:t>Total #votes: 2,725,075</a:t>
             </a:r>
             <a:endParaRPr sz="1100">
               <a:solidFill>
@@ -13978,7 +14952,7 @@
                 <a:cs typeface="Calibri"/>
                 <a:sym typeface="Calibri"/>
               </a:rPr>
-              <a:t>Last updated: 2025-02-20</a:t>
+              <a:t>Last updated: 2025-02-27</a:t>
             </a:r>
             <a:endParaRPr sz="1100">
               <a:solidFill>
@@ -13997,7 +14971,7 @@
       </p:sp>
       <p:sp>
         <p:nvSpPr>
-          <p:cNvPr id="170" name="Google Shape;170;p25"/>
+          <p:cNvPr id="180" name="Google Shape;180;p26"/>
           <p:cNvSpPr txBox="1"/>
           <p:nvPr/>
         </p:nvSpPr>
@@ -14071,78 +15045,7 @@
       </p:sp>
       <p:sp>
         <p:nvSpPr>
-          <p:cNvPr id="171" name="Google Shape;171;p25"/>
-          <p:cNvSpPr txBox="1"/>
-          <p:nvPr/>
-        </p:nvSpPr>
-        <p:spPr>
-          <a:xfrm flipH="1">
-            <a:off x="631077" y="4911339"/>
-            <a:ext cx="194400" cy="141600"/>
-          </a:xfrm>
-          <a:prstGeom prst="rect">
-            <a:avLst/>
-          </a:prstGeom>
-          <a:solidFill>
-            <a:srgbClr val="FCE5CD"/>
-          </a:solidFill>
-          <a:ln w="9525" cap="flat" cmpd="sng">
-            <a:solidFill>
-              <a:srgbClr val="FF0000"/>
-            </a:solidFill>
-            <a:prstDash val="solid"/>
-            <a:round/>
-            <a:headEnd type="none" w="sm" len="sm"/>
-            <a:tailEnd type="none" w="sm" len="sm"/>
-          </a:ln>
-        </p:spPr>
-        <p:txBody>
-          <a:bodyPr spcFirstLastPara="1" wrap="square" lIns="9125" tIns="9125" rIns="9125" bIns="9125" anchor="t" anchorCtr="0">
-            <a:spAutoFit/>
-          </a:bodyPr>
-          <a:lstStyle/>
-          <a:p>
-            <a:pPr marL="0" lvl="0" indent="0" algn="l" rtl="0">
-              <a:spcBef>
-                <a:spcPts val="0"/>
-              </a:spcBef>
-              <a:spcAft>
-                <a:spcPts val="0"/>
-              </a:spcAft>
-              <a:buClr>
-                <a:srgbClr val="000000"/>
-              </a:buClr>
-              <a:buSzPts val="1100"/>
-              <a:buFont typeface="Arial"/>
-              <a:buNone/>
-            </a:pPr>
-            <a:r>
-              <a:rPr lang="en" sz="800">
-                <a:solidFill>
-                  <a:srgbClr val="1F2937"/>
-                </a:solidFill>
-                <a:latin typeface="Calibri"/>
-                <a:ea typeface="Calibri"/>
-                <a:cs typeface="Calibri"/>
-                <a:sym typeface="Calibri"/>
-              </a:rPr>
-              <a:t>x.ai</a:t>
-            </a:r>
-            <a:endParaRPr sz="800">
-              <a:solidFill>
-                <a:srgbClr val="1F2937"/>
-              </a:solidFill>
-              <a:latin typeface="Calibri"/>
-              <a:ea typeface="Calibri"/>
-              <a:cs typeface="Calibri"/>
-              <a:sym typeface="Calibri"/>
-            </a:endParaRPr>
-          </a:p>
-        </p:txBody>
-      </p:sp>
-      <p:sp>
-        <p:nvSpPr>
-          <p:cNvPr id="172" name="Google Shape;172;p25"/>
+          <p:cNvPr id="181" name="Google Shape;181;p26"/>
           <p:cNvSpPr txBox="1"/>
           <p:nvPr/>
         </p:nvSpPr>
@@ -14217,7 +15120,7 @@
       </p:sp>
       <p:sp>
         <p:nvSpPr>
-          <p:cNvPr id="173" name="Google Shape;173;p25"/>
+          <p:cNvPr id="182" name="Google Shape;182;p26"/>
           <p:cNvSpPr/>
           <p:nvPr/>
         </p:nvSpPr>
@@ -14263,7 +15166,7 @@
       </p:sp>
       <p:sp>
         <p:nvSpPr>
-          <p:cNvPr id="174" name="Google Shape;174;p25"/>
+          <p:cNvPr id="183" name="Google Shape;183;p26"/>
           <p:cNvSpPr/>
           <p:nvPr/>
         </p:nvSpPr>
@@ -14309,13 +15212,13 @@
       </p:sp>
       <p:sp>
         <p:nvSpPr>
-          <p:cNvPr id="175" name="Google Shape;175;p25"/>
+          <p:cNvPr id="184" name="Google Shape;184;p26"/>
           <p:cNvSpPr/>
           <p:nvPr/>
         </p:nvSpPr>
         <p:spPr>
           <a:xfrm>
-            <a:off x="701285" y="4712739"/>
+            <a:off x="701285" y="4911339"/>
             <a:ext cx="125400" cy="125400"/>
           </a:xfrm>
           <a:prstGeom prst="ellipse">
@@ -14355,13 +15258,13 @@
       </p:sp>
       <p:sp>
         <p:nvSpPr>
-          <p:cNvPr id="176" name="Google Shape;176;p25"/>
+          <p:cNvPr id="185" name="Google Shape;185;p26"/>
           <p:cNvSpPr txBox="1"/>
           <p:nvPr/>
         </p:nvSpPr>
         <p:spPr>
           <a:xfrm>
-            <a:off x="4873223" y="4139221"/>
+            <a:off x="4720823" y="4139221"/>
             <a:ext cx="288900" cy="141600"/>
           </a:xfrm>
           <a:prstGeom prst="rect">
@@ -14430,59 +15333,13 @@
       </p:sp>
       <p:sp>
         <p:nvSpPr>
-          <p:cNvPr id="177" name="Google Shape;177;p25"/>
+          <p:cNvPr id="186" name="Google Shape;186;p26"/>
           <p:cNvSpPr/>
           <p:nvPr/>
         </p:nvSpPr>
         <p:spPr>
           <a:xfrm>
-            <a:off x="5036132" y="4912158"/>
-            <a:ext cx="125400" cy="125400"/>
-          </a:xfrm>
-          <a:prstGeom prst="ellipse">
-            <a:avLst/>
-          </a:prstGeom>
-          <a:solidFill>
-            <a:srgbClr val="6AA84F"/>
-          </a:solidFill>
-          <a:ln w="9525" cap="flat" cmpd="sng">
-            <a:solidFill>
-              <a:srgbClr val="595959"/>
-            </a:solidFill>
-            <a:prstDash val="solid"/>
-            <a:round/>
-            <a:headEnd type="none" w="sm" len="sm"/>
-            <a:tailEnd type="none" w="sm" len="sm"/>
-          </a:ln>
-        </p:spPr>
-        <p:txBody>
-          <a:bodyPr spcFirstLastPara="1" wrap="square" lIns="91425" tIns="91425" rIns="91425" bIns="91425" anchor="ctr" anchorCtr="0">
-            <a:noAutofit/>
-          </a:bodyPr>
-          <a:lstStyle/>
-          <a:p>
-            <a:pPr marL="0" lvl="0" indent="0" algn="ctr" rtl="0">
-              <a:spcBef>
-                <a:spcPts val="0"/>
-              </a:spcBef>
-              <a:spcAft>
-                <a:spcPts val="0"/>
-              </a:spcAft>
-              <a:buNone/>
-            </a:pPr>
-            <a:endParaRPr/>
-          </a:p>
-        </p:txBody>
-      </p:sp>
-      <p:sp>
-        <p:nvSpPr>
-          <p:cNvPr id="178" name="Google Shape;178;p25"/>
-          <p:cNvSpPr/>
-          <p:nvPr/>
-        </p:nvSpPr>
-        <p:spPr>
-          <a:xfrm>
-            <a:off x="5021039" y="1850840"/>
+            <a:off x="5036114" y="2037302"/>
             <a:ext cx="125400" cy="125400"/>
           </a:xfrm>
           <a:prstGeom prst="ellipse">
@@ -14522,7 +15379,7 @@
       </p:sp>
       <p:sp>
         <p:nvSpPr>
-          <p:cNvPr id="179" name="Google Shape;179;p25"/>
+          <p:cNvPr id="187" name="Google Shape;187;p26"/>
           <p:cNvSpPr/>
           <p:nvPr/>
         </p:nvSpPr>
@@ -14568,59 +15425,13 @@
       </p:sp>
       <p:sp>
         <p:nvSpPr>
-          <p:cNvPr id="180" name="Google Shape;180;p25"/>
+          <p:cNvPr id="188" name="Google Shape;188;p26"/>
           <p:cNvSpPr/>
           <p:nvPr/>
         </p:nvSpPr>
         <p:spPr>
           <a:xfrm>
-            <a:off x="5029165" y="3378435"/>
-            <a:ext cx="125400" cy="125400"/>
-          </a:xfrm>
-          <a:prstGeom prst="ellipse">
-            <a:avLst/>
-          </a:prstGeom>
-          <a:solidFill>
-            <a:srgbClr val="3C78D8"/>
-          </a:solidFill>
-          <a:ln w="9525" cap="flat" cmpd="sng">
-            <a:solidFill>
-              <a:srgbClr val="595959"/>
-            </a:solidFill>
-            <a:prstDash val="solid"/>
-            <a:round/>
-            <a:headEnd type="none" w="sm" len="sm"/>
-            <a:tailEnd type="none" w="sm" len="sm"/>
-          </a:ln>
-        </p:spPr>
-        <p:txBody>
-          <a:bodyPr spcFirstLastPara="1" wrap="square" lIns="91425" tIns="91425" rIns="91425" bIns="91425" anchor="ctr" anchorCtr="0">
-            <a:noAutofit/>
-          </a:bodyPr>
-          <a:lstStyle/>
-          <a:p>
-            <a:pPr marL="0" lvl="0" indent="0" algn="ctr" rtl="0">
-              <a:spcBef>
-                <a:spcPts val="0"/>
-              </a:spcBef>
-              <a:spcAft>
-                <a:spcPts val="0"/>
-              </a:spcAft>
-              <a:buNone/>
-            </a:pPr>
-            <a:endParaRPr/>
-          </a:p>
-        </p:txBody>
-      </p:sp>
-      <p:sp>
-        <p:nvSpPr>
-          <p:cNvPr id="181" name="Google Shape;181;p25"/>
-          <p:cNvSpPr/>
-          <p:nvPr/>
-        </p:nvSpPr>
-        <p:spPr>
-          <a:xfrm>
-            <a:off x="5027999" y="1462459"/>
+            <a:off x="5027999" y="1271909"/>
             <a:ext cx="125400" cy="125400"/>
           </a:xfrm>
           <a:prstGeom prst="ellipse">
@@ -14660,13 +15471,13 @@
       </p:sp>
       <p:sp>
         <p:nvSpPr>
-          <p:cNvPr id="182" name="Google Shape;182;p25"/>
+          <p:cNvPr id="189" name="Google Shape;189;p26"/>
           <p:cNvSpPr txBox="1"/>
           <p:nvPr/>
         </p:nvSpPr>
         <p:spPr>
           <a:xfrm>
-            <a:off x="391187" y="2979769"/>
+            <a:off x="543587" y="2979769"/>
             <a:ext cx="287100" cy="141600"/>
           </a:xfrm>
           <a:prstGeom prst="rect">
@@ -14735,7 +15546,7 @@
       </p:sp>
       <p:sp>
         <p:nvSpPr>
-          <p:cNvPr id="183" name="Google Shape;183;p25"/>
+          <p:cNvPr id="190" name="Google Shape;190;p26"/>
           <p:cNvSpPr/>
           <p:nvPr/>
         </p:nvSpPr>
@@ -14781,13 +15592,13 @@
       </p:sp>
       <p:sp>
         <p:nvSpPr>
-          <p:cNvPr id="184" name="Google Shape;184;p25"/>
+          <p:cNvPr id="191" name="Google Shape;191;p26"/>
           <p:cNvSpPr/>
           <p:nvPr/>
         </p:nvSpPr>
         <p:spPr>
           <a:xfrm>
-            <a:off x="701279" y="3761579"/>
+            <a:off x="701279" y="3572701"/>
             <a:ext cx="125400" cy="125400"/>
           </a:xfrm>
           <a:prstGeom prst="ellipse">
@@ -14827,7 +15638,7 @@
       </p:sp>
       <p:sp>
         <p:nvSpPr>
-          <p:cNvPr id="185" name="Google Shape;185;p25"/>
+          <p:cNvPr id="192" name="Google Shape;192;p26"/>
           <p:cNvSpPr/>
           <p:nvPr/>
         </p:nvSpPr>
@@ -14873,13 +15684,13 @@
       </p:sp>
       <p:sp>
         <p:nvSpPr>
-          <p:cNvPr id="186" name="Google Shape;186;p25"/>
+          <p:cNvPr id="193" name="Google Shape;193;p26"/>
           <p:cNvSpPr/>
           <p:nvPr/>
         </p:nvSpPr>
         <p:spPr>
           <a:xfrm>
-            <a:off x="5027999" y="2036465"/>
+            <a:off x="5036124" y="3182015"/>
             <a:ext cx="125400" cy="125400"/>
           </a:xfrm>
           <a:prstGeom prst="ellipse">
@@ -14919,13 +15730,13 @@
       </p:sp>
       <p:sp>
         <p:nvSpPr>
-          <p:cNvPr id="187" name="Google Shape;187;p25"/>
+          <p:cNvPr id="194" name="Google Shape;194;p26"/>
           <p:cNvSpPr/>
           <p:nvPr/>
         </p:nvSpPr>
         <p:spPr>
           <a:xfrm>
-            <a:off x="5021961" y="1268375"/>
+            <a:off x="5036136" y="1848175"/>
             <a:ext cx="125400" cy="125400"/>
           </a:xfrm>
           <a:prstGeom prst="ellipse">
@@ -14965,7 +15776,7 @@
       </p:sp>
       <p:sp>
         <p:nvSpPr>
-          <p:cNvPr id="188" name="Google Shape;188;p25"/>
+          <p:cNvPr id="195" name="Google Shape;195;p26"/>
           <p:cNvSpPr/>
           <p:nvPr/>
         </p:nvSpPr>
@@ -15011,7 +15822,7 @@
       </p:sp>
       <p:sp>
         <p:nvSpPr>
-          <p:cNvPr id="189" name="Google Shape;189;p25"/>
+          <p:cNvPr id="196" name="Google Shape;196;p26"/>
           <p:cNvSpPr/>
           <p:nvPr/>
         </p:nvSpPr>
@@ -15057,7 +15868,7 @@
       </p:sp>
       <p:sp>
         <p:nvSpPr>
-          <p:cNvPr id="190" name="Google Shape;190;p25"/>
+          <p:cNvPr id="197" name="Google Shape;197;p26"/>
           <p:cNvSpPr/>
           <p:nvPr/>
         </p:nvSpPr>
@@ -15103,7 +15914,7 @@
       </p:sp>
       <p:sp>
         <p:nvSpPr>
-          <p:cNvPr id="191" name="Google Shape;191;p25"/>
+          <p:cNvPr id="198" name="Google Shape;198;p26"/>
           <p:cNvSpPr/>
           <p:nvPr/>
         </p:nvSpPr>
@@ -15149,7 +15960,7 @@
       </p:sp>
       <p:sp>
         <p:nvSpPr>
-          <p:cNvPr id="192" name="Google Shape;192;p25"/>
+          <p:cNvPr id="199" name="Google Shape;199;p26"/>
           <p:cNvSpPr txBox="1"/>
           <p:nvPr/>
         </p:nvSpPr>
@@ -15224,13 +16035,13 @@
       </p:sp>
       <p:sp>
         <p:nvSpPr>
-          <p:cNvPr id="193" name="Google Shape;193;p25"/>
+          <p:cNvPr id="200" name="Google Shape;200;p26"/>
           <p:cNvSpPr txBox="1"/>
           <p:nvPr/>
         </p:nvSpPr>
         <p:spPr>
           <a:xfrm>
-            <a:off x="528397" y="3529750"/>
+            <a:off x="544286" y="3760207"/>
             <a:ext cx="288900" cy="141600"/>
           </a:xfrm>
           <a:prstGeom prst="rect">
@@ -15299,13 +16110,13 @@
       </p:sp>
       <p:sp>
         <p:nvSpPr>
-          <p:cNvPr id="194" name="Google Shape;194;p25"/>
+          <p:cNvPr id="201" name="Google Shape;201;p26"/>
           <p:cNvSpPr/>
           <p:nvPr/>
         </p:nvSpPr>
         <p:spPr>
           <a:xfrm>
-            <a:off x="688998" y="3948017"/>
+            <a:off x="709573" y="4142717"/>
             <a:ext cx="125400" cy="125400"/>
           </a:xfrm>
           <a:prstGeom prst="ellipse">
@@ -15345,13 +16156,13 @@
       </p:sp>
       <p:sp>
         <p:nvSpPr>
-          <p:cNvPr id="195" name="Google Shape;195;p25"/>
+          <p:cNvPr id="202" name="Google Shape;202;p26"/>
           <p:cNvSpPr txBox="1"/>
           <p:nvPr/>
         </p:nvSpPr>
         <p:spPr>
           <a:xfrm>
-            <a:off x="4728633" y="3951366"/>
+            <a:off x="4881033" y="3951366"/>
             <a:ext cx="288900" cy="141600"/>
           </a:xfrm>
           <a:prstGeom prst="rect">
@@ -15420,7 +16231,7 @@
       </p:sp>
       <p:sp>
         <p:nvSpPr>
-          <p:cNvPr id="196" name="Google Shape;196;p25"/>
+          <p:cNvPr id="203" name="Google Shape;203;p26"/>
           <p:cNvSpPr txBox="1"/>
           <p:nvPr/>
         </p:nvSpPr>
@@ -15495,13 +16306,13 @@
       </p:sp>
       <p:sp>
         <p:nvSpPr>
-          <p:cNvPr id="197" name="Google Shape;197;p25"/>
+          <p:cNvPr id="204" name="Google Shape;204;p26"/>
           <p:cNvSpPr txBox="1"/>
           <p:nvPr/>
         </p:nvSpPr>
         <p:spPr>
           <a:xfrm>
-            <a:off x="524976" y="2788000"/>
+            <a:off x="539028" y="2596032"/>
             <a:ext cx="287100" cy="141600"/>
           </a:xfrm>
           <a:prstGeom prst="rect">
@@ -15570,13 +16381,13 @@
       </p:sp>
       <p:sp>
         <p:nvSpPr>
-          <p:cNvPr id="198" name="Google Shape;198;p25"/>
+          <p:cNvPr id="205" name="Google Shape;205;p26"/>
           <p:cNvSpPr/>
           <p:nvPr/>
         </p:nvSpPr>
         <p:spPr>
           <a:xfrm>
-            <a:off x="701276" y="2991266"/>
+            <a:off x="709565" y="3378766"/>
             <a:ext cx="125400" cy="125400"/>
           </a:xfrm>
           <a:prstGeom prst="ellipse">
@@ -15616,7 +16427,7 @@
       </p:sp>
       <p:sp>
         <p:nvSpPr>
-          <p:cNvPr id="199" name="Google Shape;199;p25"/>
+          <p:cNvPr id="206" name="Google Shape;206;p26"/>
           <p:cNvSpPr txBox="1"/>
           <p:nvPr/>
         </p:nvSpPr>
@@ -15691,7 +16502,7 @@
       </p:sp>
       <p:sp>
         <p:nvSpPr>
-          <p:cNvPr id="200" name="Google Shape;200;p25"/>
+          <p:cNvPr id="207" name="Google Shape;207;p26"/>
           <p:cNvSpPr/>
           <p:nvPr/>
         </p:nvSpPr>
@@ -15737,7 +16548,7 @@
       </p:sp>
       <p:sp>
         <p:nvSpPr>
-          <p:cNvPr id="201" name="Google Shape;201;p25"/>
+          <p:cNvPr id="208" name="Google Shape;208;p26"/>
           <p:cNvSpPr/>
           <p:nvPr/>
         </p:nvSpPr>
@@ -15783,13 +16594,13 @@
       </p:sp>
       <p:sp>
         <p:nvSpPr>
-          <p:cNvPr id="202" name="Google Shape;202;p25"/>
+          <p:cNvPr id="209" name="Google Shape;209;p26"/>
           <p:cNvSpPr txBox="1"/>
           <p:nvPr/>
         </p:nvSpPr>
         <p:spPr>
           <a:xfrm>
-            <a:off x="4868260" y="3180909"/>
+            <a:off x="4875235" y="3365722"/>
             <a:ext cx="288900" cy="141600"/>
           </a:xfrm>
           <a:prstGeom prst="rect">
@@ -15858,13 +16669,13 @@
       </p:sp>
       <p:sp>
         <p:nvSpPr>
-          <p:cNvPr id="203" name="Google Shape;203;p25"/>
+          <p:cNvPr id="210" name="Google Shape;210;p26"/>
           <p:cNvSpPr/>
           <p:nvPr/>
         </p:nvSpPr>
         <p:spPr>
           <a:xfrm>
-            <a:off x="5028975" y="3956805"/>
+            <a:off x="5031812" y="4145843"/>
             <a:ext cx="125400" cy="125400"/>
           </a:xfrm>
           <a:prstGeom prst="ellipse">
@@ -15904,13 +16715,13 @@
       </p:sp>
       <p:sp>
         <p:nvSpPr>
-          <p:cNvPr id="204" name="Google Shape;204;p25"/>
+          <p:cNvPr id="211" name="Google Shape;211;p26"/>
           <p:cNvSpPr txBox="1"/>
           <p:nvPr/>
         </p:nvSpPr>
         <p:spPr>
           <a:xfrm>
-            <a:off x="4866004" y="3763968"/>
+            <a:off x="4733079" y="4515030"/>
             <a:ext cx="288900" cy="141600"/>
           </a:xfrm>
           <a:prstGeom prst="rect">
@@ -15979,13 +16790,13 @@
       </p:sp>
       <p:sp>
         <p:nvSpPr>
-          <p:cNvPr id="205" name="Google Shape;205;p25"/>
+          <p:cNvPr id="212" name="Google Shape;212;p26"/>
           <p:cNvSpPr/>
           <p:nvPr/>
         </p:nvSpPr>
         <p:spPr>
           <a:xfrm>
-            <a:off x="701287" y="4144623"/>
+            <a:off x="709587" y="4320335"/>
             <a:ext cx="125400" cy="125400"/>
           </a:xfrm>
           <a:prstGeom prst="ellipse">
@@ -16025,7 +16836,7 @@
       </p:sp>
       <p:sp>
         <p:nvSpPr>
-          <p:cNvPr id="206" name="Google Shape;206;p25"/>
+          <p:cNvPr id="213" name="Google Shape;213;p26"/>
           <p:cNvSpPr txBox="1"/>
           <p:nvPr/>
         </p:nvSpPr>
@@ -16100,7 +16911,7 @@
       </p:sp>
       <p:sp>
         <p:nvSpPr>
-          <p:cNvPr id="207" name="Google Shape;207;p25"/>
+          <p:cNvPr id="214" name="Google Shape;214;p26"/>
           <p:cNvSpPr/>
           <p:nvPr/>
         </p:nvSpPr>
@@ -16146,13 +16957,13 @@
       </p:sp>
       <p:sp>
         <p:nvSpPr>
-          <p:cNvPr id="208" name="Google Shape;208;p25"/>
+          <p:cNvPr id="215" name="Google Shape;215;p26"/>
           <p:cNvSpPr txBox="1"/>
           <p:nvPr/>
         </p:nvSpPr>
         <p:spPr>
           <a:xfrm>
-            <a:off x="529306" y="3351612"/>
+            <a:off x="408684" y="3375445"/>
             <a:ext cx="287100" cy="141600"/>
           </a:xfrm>
           <a:prstGeom prst="rect">
@@ -16221,13 +17032,13 @@
       </p:sp>
       <p:sp>
         <p:nvSpPr>
-          <p:cNvPr id="209" name="Google Shape;209;p25"/>
+          <p:cNvPr id="216" name="Google Shape;216;p26"/>
           <p:cNvSpPr/>
           <p:nvPr/>
         </p:nvSpPr>
         <p:spPr>
           <a:xfrm>
-            <a:off x="5031885" y="3565601"/>
+            <a:off x="5035954" y="3762064"/>
             <a:ext cx="125400" cy="125400"/>
           </a:xfrm>
           <a:prstGeom prst="ellipse">
@@ -16267,7 +17078,7 @@
       </p:sp>
       <p:sp>
         <p:nvSpPr>
-          <p:cNvPr id="210" name="Google Shape;210;p25"/>
+          <p:cNvPr id="217" name="Google Shape;217;p26"/>
           <p:cNvSpPr txBox="1"/>
           <p:nvPr/>
         </p:nvSpPr>
@@ -16338,13 +17149,13 @@
       </p:sp>
       <p:sp>
         <p:nvSpPr>
-          <p:cNvPr id="211" name="Google Shape;211;p25"/>
+          <p:cNvPr id="218" name="Google Shape;218;p26"/>
           <p:cNvSpPr txBox="1"/>
           <p:nvPr/>
         </p:nvSpPr>
         <p:spPr>
           <a:xfrm>
-            <a:off x="528397" y="4306545"/>
+            <a:off x="538122" y="4704645"/>
             <a:ext cx="288900" cy="141600"/>
           </a:xfrm>
           <a:prstGeom prst="rect">
@@ -16413,7 +17224,7 @@
       </p:sp>
       <p:sp>
         <p:nvSpPr>
-          <p:cNvPr id="212" name="Google Shape;212;p25"/>
+          <p:cNvPr id="219" name="Google Shape;219;p26"/>
           <p:cNvSpPr txBox="1"/>
           <p:nvPr/>
         </p:nvSpPr>
@@ -16484,13 +17295,13 @@
       </p:sp>
       <p:sp>
         <p:nvSpPr>
-          <p:cNvPr id="213" name="Google Shape;213;p25"/>
+          <p:cNvPr id="220" name="Google Shape;220;p26"/>
           <p:cNvSpPr/>
           <p:nvPr/>
         </p:nvSpPr>
         <p:spPr>
           <a:xfrm>
-            <a:off x="5015486" y="4529891"/>
+            <a:off x="5031375" y="4529891"/>
             <a:ext cx="125400" cy="125400"/>
           </a:xfrm>
           <a:prstGeom prst="ellipse">
@@ -16530,13 +17341,13 @@
       </p:sp>
       <p:sp>
         <p:nvSpPr>
-          <p:cNvPr id="214" name="Google Shape;214;p25"/>
+          <p:cNvPr id="221" name="Google Shape;221;p26"/>
           <p:cNvSpPr txBox="1"/>
           <p:nvPr/>
         </p:nvSpPr>
         <p:spPr>
           <a:xfrm>
-            <a:off x="4733063" y="4907699"/>
+            <a:off x="4869574" y="4907699"/>
             <a:ext cx="288900" cy="141600"/>
           </a:xfrm>
           <a:prstGeom prst="rect">
@@ -16603,93 +17414,15 @@
           </a:p>
         </p:txBody>
       </p:sp>
-      <p:pic>
-        <p:nvPicPr>
-          <p:cNvPr id="215" name="Google Shape;215;p25"/>
-          <p:cNvPicPr preferRelativeResize="0"/>
-          <p:nvPr/>
-        </p:nvPicPr>
-        <p:blipFill>
-          <a:blip r:embed="rId6" cstate="email">
-            <a:alphaModFix/>
-            <a:extLst>
-              <a:ext uri="{28A0092B-C50C-407E-A947-70E740481C1C}">
-                <a14:useLocalDpi xmlns:a14="http://schemas.microsoft.com/office/drawing/2010/main"/>
-              </a:ext>
-            </a:extLst>
-          </a:blip>
-          <a:stretch>
-            <a:fillRect/>
-          </a:stretch>
-        </p:blipFill>
-        <p:spPr>
-          <a:xfrm>
-            <a:off x="5173425" y="858825"/>
-            <a:ext cx="3387895" cy="4205901"/>
-          </a:xfrm>
-          <a:prstGeom prst="rect">
-            <a:avLst/>
-          </a:prstGeom>
-          <a:noFill/>
-          <a:ln w="9525" cap="flat" cmpd="sng">
-            <a:solidFill>
-              <a:srgbClr val="FF0000"/>
-            </a:solidFill>
-            <a:prstDash val="solid"/>
-            <a:round/>
-            <a:headEnd type="none" w="sm" len="sm"/>
-            <a:tailEnd type="none" w="sm" len="sm"/>
-          </a:ln>
-        </p:spPr>
-      </p:pic>
-      <p:pic>
-        <p:nvPicPr>
-          <p:cNvPr id="216" name="Google Shape;216;p25"/>
-          <p:cNvPicPr preferRelativeResize="0"/>
-          <p:nvPr/>
-        </p:nvPicPr>
-        <p:blipFill>
-          <a:blip r:embed="rId7" cstate="email">
-            <a:alphaModFix/>
-            <a:extLst>
-              <a:ext uri="{28A0092B-C50C-407E-A947-70E740481C1C}">
-                <a14:useLocalDpi xmlns:a14="http://schemas.microsoft.com/office/drawing/2010/main"/>
-              </a:ext>
-            </a:extLst>
-          </a:blip>
-          <a:stretch>
-            <a:fillRect/>
-          </a:stretch>
-        </p:blipFill>
-        <p:spPr>
-          <a:xfrm>
-            <a:off x="843450" y="858825"/>
-            <a:ext cx="3252644" cy="4205901"/>
-          </a:xfrm>
-          <a:prstGeom prst="rect">
-            <a:avLst/>
-          </a:prstGeom>
-          <a:noFill/>
-          <a:ln w="9525" cap="flat" cmpd="sng">
-            <a:solidFill>
-              <a:srgbClr val="FF0000"/>
-            </a:solidFill>
-            <a:prstDash val="solid"/>
-            <a:round/>
-            <a:headEnd type="none" w="sm" len="sm"/>
-            <a:tailEnd type="none" w="sm" len="sm"/>
-          </a:ln>
-        </p:spPr>
-      </p:pic>
       <p:sp>
         <p:nvSpPr>
-          <p:cNvPr id="217" name="Google Shape;217;p25"/>
+          <p:cNvPr id="222" name="Google Shape;222;p26"/>
           <p:cNvSpPr/>
           <p:nvPr/>
         </p:nvSpPr>
         <p:spPr>
           <a:xfrm>
-            <a:off x="692322" y="2618055"/>
+            <a:off x="692322" y="2802232"/>
             <a:ext cx="125400" cy="125400"/>
           </a:xfrm>
           <a:prstGeom prst="ellipse">
@@ -16729,13 +17462,13 @@
       </p:sp>
       <p:sp>
         <p:nvSpPr>
-          <p:cNvPr id="218" name="Google Shape;218;p25"/>
+          <p:cNvPr id="223" name="Google Shape;223;p26"/>
           <p:cNvSpPr txBox="1"/>
           <p:nvPr/>
         </p:nvSpPr>
         <p:spPr>
           <a:xfrm>
-            <a:off x="529306" y="3178332"/>
+            <a:off x="545181" y="3952419"/>
             <a:ext cx="287100" cy="141600"/>
           </a:xfrm>
           <a:prstGeom prst="rect">
@@ -16804,7 +17537,7 @@
       </p:sp>
       <p:sp>
         <p:nvSpPr>
-          <p:cNvPr id="219" name="Google Shape;219;p25"/>
+          <p:cNvPr id="224" name="Google Shape;224;p26"/>
           <p:cNvSpPr/>
           <p:nvPr/>
         </p:nvSpPr>
@@ -16848,6 +17581,220 @@
           </a:p>
         </p:txBody>
       </p:sp>
+      <p:pic>
+        <p:nvPicPr>
+          <p:cNvPr id="225" name="Google Shape;225;p26"/>
+          <p:cNvPicPr preferRelativeResize="0"/>
+          <p:nvPr/>
+        </p:nvPicPr>
+        <p:blipFill rotWithShape="1">
+          <a:blip r:embed="rId6" cstate="email">
+            <a:alphaModFix/>
+            <a:extLst>
+              <a:ext uri="{28A0092B-C50C-407E-A947-70E740481C1C}">
+                <a14:useLocalDpi xmlns:a14="http://schemas.microsoft.com/office/drawing/2010/main"/>
+              </a:ext>
+            </a:extLst>
+          </a:blip>
+          <a:srcRect/>
+          <a:stretch/>
+        </p:blipFill>
+        <p:spPr>
+          <a:xfrm>
+            <a:off x="848750" y="858825"/>
+            <a:ext cx="3247351" cy="4205901"/>
+          </a:xfrm>
+          <a:prstGeom prst="rect">
+            <a:avLst/>
+          </a:prstGeom>
+          <a:noFill/>
+          <a:ln w="9525" cap="flat" cmpd="sng">
+            <a:solidFill>
+              <a:srgbClr val="FF0000"/>
+            </a:solidFill>
+            <a:prstDash val="solid"/>
+            <a:round/>
+            <a:headEnd type="none" w="sm" len="sm"/>
+            <a:tailEnd type="none" w="sm" len="sm"/>
+          </a:ln>
+        </p:spPr>
+      </p:pic>
+      <p:pic>
+        <p:nvPicPr>
+          <p:cNvPr id="226" name="Google Shape;226;p26"/>
+          <p:cNvPicPr preferRelativeResize="0"/>
+          <p:nvPr/>
+        </p:nvPicPr>
+        <p:blipFill rotWithShape="1">
+          <a:blip r:embed="rId7" cstate="email">
+            <a:alphaModFix/>
+            <a:extLst>
+              <a:ext uri="{28A0092B-C50C-407E-A947-70E740481C1C}">
+                <a14:useLocalDpi xmlns:a14="http://schemas.microsoft.com/office/drawing/2010/main"/>
+              </a:ext>
+            </a:extLst>
+          </a:blip>
+          <a:srcRect/>
+          <a:stretch/>
+        </p:blipFill>
+        <p:spPr>
+          <a:xfrm>
+            <a:off x="5179299" y="858825"/>
+            <a:ext cx="3247351" cy="4205901"/>
+          </a:xfrm>
+          <a:prstGeom prst="rect">
+            <a:avLst/>
+          </a:prstGeom>
+          <a:noFill/>
+          <a:ln w="9525" cap="flat" cmpd="sng">
+            <a:solidFill>
+              <a:srgbClr val="FF0000"/>
+            </a:solidFill>
+            <a:prstDash val="solid"/>
+            <a:round/>
+            <a:headEnd type="none" w="sm" len="sm"/>
+            <a:tailEnd type="none" w="sm" len="sm"/>
+          </a:ln>
+        </p:spPr>
+      </p:pic>
+      <p:sp>
+        <p:nvSpPr>
+          <p:cNvPr id="227" name="Google Shape;227;p26"/>
+          <p:cNvSpPr/>
+          <p:nvPr/>
+        </p:nvSpPr>
+        <p:spPr>
+          <a:xfrm>
+            <a:off x="5029165" y="1449601"/>
+            <a:ext cx="125400" cy="125400"/>
+          </a:xfrm>
+          <a:prstGeom prst="ellipse">
+            <a:avLst/>
+          </a:prstGeom>
+          <a:solidFill>
+            <a:srgbClr val="3C78D8"/>
+          </a:solidFill>
+          <a:ln w="9525" cap="flat" cmpd="sng">
+            <a:solidFill>
+              <a:srgbClr val="595959"/>
+            </a:solidFill>
+            <a:prstDash val="solid"/>
+            <a:round/>
+            <a:headEnd type="none" w="sm" len="sm"/>
+            <a:tailEnd type="none" w="sm" len="sm"/>
+          </a:ln>
+        </p:spPr>
+        <p:txBody>
+          <a:bodyPr spcFirstLastPara="1" wrap="square" lIns="91425" tIns="91425" rIns="91425" bIns="91425" anchor="ctr" anchorCtr="0">
+            <a:noAutofit/>
+          </a:bodyPr>
+          <a:lstStyle/>
+          <a:p>
+            <a:pPr marL="0" lvl="0" indent="0" algn="ctr" rtl="0">
+              <a:spcBef>
+                <a:spcPts val="0"/>
+              </a:spcBef>
+              <a:spcAft>
+                <a:spcPts val="0"/>
+              </a:spcAft>
+              <a:buNone/>
+            </a:pPr>
+            <a:endParaRPr/>
+          </a:p>
+        </p:txBody>
+      </p:sp>
+      <p:sp>
+        <p:nvSpPr>
+          <p:cNvPr id="228" name="Google Shape;228;p26"/>
+          <p:cNvSpPr/>
+          <p:nvPr/>
+        </p:nvSpPr>
+        <p:spPr>
+          <a:xfrm>
+            <a:off x="685765" y="3178368"/>
+            <a:ext cx="125400" cy="125400"/>
+          </a:xfrm>
+          <a:prstGeom prst="ellipse">
+            <a:avLst/>
+          </a:prstGeom>
+          <a:solidFill>
+            <a:srgbClr val="3C78D8"/>
+          </a:solidFill>
+          <a:ln w="9525" cap="flat" cmpd="sng">
+            <a:solidFill>
+              <a:srgbClr val="595959"/>
+            </a:solidFill>
+            <a:prstDash val="solid"/>
+            <a:round/>
+            <a:headEnd type="none" w="sm" len="sm"/>
+            <a:tailEnd type="none" w="sm" len="sm"/>
+          </a:ln>
+        </p:spPr>
+        <p:txBody>
+          <a:bodyPr spcFirstLastPara="1" wrap="square" lIns="91425" tIns="91425" rIns="91425" bIns="91425" anchor="ctr" anchorCtr="0">
+            <a:noAutofit/>
+          </a:bodyPr>
+          <a:lstStyle/>
+          <a:p>
+            <a:pPr marL="0" lvl="0" indent="0" algn="ctr" rtl="0">
+              <a:spcBef>
+                <a:spcPts val="0"/>
+              </a:spcBef>
+              <a:spcAft>
+                <a:spcPts val="0"/>
+              </a:spcAft>
+              <a:buNone/>
+            </a:pPr>
+            <a:endParaRPr/>
+          </a:p>
+        </p:txBody>
+      </p:sp>
+      <p:sp>
+        <p:nvSpPr>
+          <p:cNvPr id="229" name="Google Shape;229;p26"/>
+          <p:cNvSpPr/>
+          <p:nvPr/>
+        </p:nvSpPr>
+        <p:spPr>
+          <a:xfrm>
+            <a:off x="5029165" y="3567313"/>
+            <a:ext cx="125400" cy="125400"/>
+          </a:xfrm>
+          <a:prstGeom prst="ellipse">
+            <a:avLst/>
+          </a:prstGeom>
+          <a:solidFill>
+            <a:srgbClr val="3C78D8"/>
+          </a:solidFill>
+          <a:ln w="9525" cap="flat" cmpd="sng">
+            <a:solidFill>
+              <a:srgbClr val="595959"/>
+            </a:solidFill>
+            <a:prstDash val="solid"/>
+            <a:round/>
+            <a:headEnd type="none" w="sm" len="sm"/>
+            <a:tailEnd type="none" w="sm" len="sm"/>
+          </a:ln>
+        </p:spPr>
+        <p:txBody>
+          <a:bodyPr spcFirstLastPara="1" wrap="square" lIns="91425" tIns="91425" rIns="91425" bIns="91425" anchor="ctr" anchorCtr="0">
+            <a:noAutofit/>
+          </a:bodyPr>
+          <a:lstStyle/>
+          <a:p>
+            <a:pPr marL="0" lvl="0" indent="0" algn="ctr" rtl="0">
+              <a:spcBef>
+                <a:spcPts val="0"/>
+              </a:spcBef>
+              <a:spcAft>
+                <a:spcPts val="0"/>
+              </a:spcAft>
+              <a:buNone/>
+            </a:pPr>
+            <a:endParaRPr/>
+          </a:p>
+        </p:txBody>
+      </p:sp>
     </p:spTree>
   </p:cSld>
   <p:clrMapOvr>
@@ -16856,12 +17803,12 @@
 </p:sld>
 </file>
 
-<file path=ppt/slides/slide12.xml><?xml version="1.0" encoding="utf-8"?>
+<file path=ppt/slides/slide13.xml><?xml version="1.0" encoding="utf-8"?>
 <p:sld xmlns:a="http://schemas.openxmlformats.org/drawingml/2006/main" xmlns:r="http://schemas.openxmlformats.org/officeDocument/2006/relationships" xmlns:p="http://schemas.openxmlformats.org/presentationml/2006/main">
   <p:cSld>
     <p:spTree>
       <p:nvGrpSpPr>
-        <p:cNvPr id="1" name="Shape 223"/>
+        <p:cNvPr id="1" name="Shape 233"/>
         <p:cNvGrpSpPr/>
         <p:nvPr/>
       </p:nvGrpSpPr>
@@ -16875,33 +17822,25 @@
       </p:grpSpPr>
       <p:sp>
         <p:nvSpPr>
-          <p:cNvPr id="224" name="Google Shape;224;p26"/>
+          <p:cNvPr id="234" name="Google Shape;234;p27"/>
           <p:cNvSpPr txBox="1"/>
           <p:nvPr/>
         </p:nvSpPr>
         <p:spPr>
           <a:xfrm>
-            <a:off x="60150" y="439750"/>
-            <a:ext cx="2356200" cy="387900"/>
+            <a:off x="-38050" y="-108050"/>
+            <a:ext cx="4557000" cy="492600"/>
           </a:xfrm>
           <a:prstGeom prst="rect">
             <a:avLst/>
           </a:prstGeom>
-          <a:solidFill>
-            <a:srgbClr val="FFF2CC"/>
-          </a:solidFill>
-          <a:ln w="9525" cap="flat" cmpd="sng">
-            <a:solidFill>
-              <a:srgbClr val="FF0000"/>
-            </a:solidFill>
-            <a:prstDash val="solid"/>
-            <a:round/>
-            <a:headEnd type="none" w="sm" len="sm"/>
-            <a:tailEnd type="none" w="sm" len="sm"/>
+          <a:noFill/>
+          <a:ln>
+            <a:noFill/>
           </a:ln>
         </p:spPr>
         <p:txBody>
-          <a:bodyPr spcFirstLastPara="1" wrap="square" lIns="9125" tIns="9125" rIns="9125" bIns="9125" anchor="t" anchorCtr="0">
+          <a:bodyPr spcFirstLastPara="1" wrap="square" lIns="91425" tIns="91425" rIns="91425" bIns="91425" anchor="t" anchorCtr="0">
             <a:spAutoFit/>
           </a:bodyPr>
           <a:lstStyle/>
@@ -16917,14 +17856,14 @@
                 <a:spcPts val="0"/>
               </a:spcAft>
               <a:buClr>
-                <a:schemeClr val="dk1"/>
-              </a:buClr>
-              <a:buSzPts val="1100"/>
+                <a:srgbClr val="000000"/>
+              </a:buClr>
+              <a:buSzPts val="2000"/>
               <a:buFont typeface="Arial"/>
               <a:buNone/>
             </a:pPr>
             <a:r>
-              <a:rPr lang="en" sz="1200">
+              <a:rPr lang="en" sz="2000" b="1">
                 <a:solidFill>
                   <a:schemeClr val="dk1"/>
                 </a:solidFill>
@@ -16933,11 +17872,11 @@
                 <a:cs typeface="Calibri"/>
                 <a:sym typeface="Calibri"/>
               </a:rPr>
-              <a:t>Google offers “voluntary exit” to all US platforms and devices employees</a:t>
-            </a:r>
-            <a:endParaRPr sz="900">
+              <a:t>WebDev Arena Leaderboard</a:t>
+            </a:r>
+            <a:endParaRPr sz="2000" b="1" i="0" u="none" strike="noStrike" cap="none">
               <a:solidFill>
-                <a:schemeClr val="dk1"/>
+                <a:srgbClr val="000000"/>
               </a:solidFill>
               <a:latin typeface="Calibri"/>
               <a:ea typeface="Calibri"/>
@@ -16949,7 +17888,141 @@
       </p:sp>
       <p:sp>
         <p:nvSpPr>
-          <p:cNvPr id="225" name="Google Shape;225;p26"/>
+          <p:cNvPr id="235" name="Google Shape;235;p27"/>
+          <p:cNvSpPr txBox="1"/>
+          <p:nvPr/>
+        </p:nvSpPr>
+        <p:spPr>
+          <a:xfrm>
+            <a:off x="1917800" y="282725"/>
+            <a:ext cx="2178300" cy="338700"/>
+          </a:xfrm>
+          <a:prstGeom prst="rect">
+            <a:avLst/>
+          </a:prstGeom>
+          <a:noFill/>
+          <a:ln>
+            <a:noFill/>
+          </a:ln>
+        </p:spPr>
+        <p:txBody>
+          <a:bodyPr spcFirstLastPara="1" wrap="square" lIns="91425" tIns="91425" rIns="91425" bIns="91425" anchor="t" anchorCtr="0">
+            <a:spAutoFit/>
+          </a:bodyPr>
+          <a:lstStyle/>
+          <a:p>
+            <a:pPr marL="57150" marR="0" lvl="0" indent="-63500" algn="l" rtl="0">
+              <a:lnSpc>
+                <a:spcPct val="100000"/>
+              </a:lnSpc>
+              <a:spcBef>
+                <a:spcPts val="0"/>
+              </a:spcBef>
+              <a:spcAft>
+                <a:spcPts val="0"/>
+              </a:spcAft>
+              <a:buSzPts val="1000"/>
+              <a:buFont typeface="Calibri"/>
+              <a:buChar char="●"/>
+            </a:pPr>
+            <a:r>
+              <a:rPr lang="en" sz="1000" u="sng">
+                <a:solidFill>
+                  <a:schemeClr val="hlink"/>
+                </a:solidFill>
+                <a:latin typeface="Calibri"/>
+                <a:ea typeface="Calibri"/>
+                <a:cs typeface="Calibri"/>
+                <a:sym typeface="Calibri"/>
+                <a:hlinkClick r:id="rId3"/>
+              </a:rPr>
+              <a:t>https://web.lmarena.ai/leaderboard</a:t>
+            </a:r>
+            <a:r>
+              <a:rPr lang="en" sz="1000">
+                <a:solidFill>
+                  <a:schemeClr val="dk1"/>
+                </a:solidFill>
+                <a:latin typeface="Calibri"/>
+                <a:ea typeface="Calibri"/>
+                <a:cs typeface="Calibri"/>
+                <a:sym typeface="Calibri"/>
+              </a:rPr>
+              <a:t> </a:t>
+            </a:r>
+            <a:endParaRPr sz="1000" b="0" i="0" u="none" strike="noStrike" cap="none">
+              <a:solidFill>
+                <a:schemeClr val="dk1"/>
+              </a:solidFill>
+              <a:latin typeface="Calibri"/>
+              <a:ea typeface="Calibri"/>
+              <a:cs typeface="Calibri"/>
+              <a:sym typeface="Calibri"/>
+            </a:endParaRPr>
+          </a:p>
+        </p:txBody>
+      </p:sp>
+      <p:pic>
+        <p:nvPicPr>
+          <p:cNvPr id="236" name="Google Shape;236;p27"/>
+          <p:cNvPicPr preferRelativeResize="0"/>
+          <p:nvPr/>
+        </p:nvPicPr>
+        <p:blipFill>
+          <a:blip r:embed="rId4" cstate="email">
+            <a:alphaModFix/>
+            <a:extLst>
+              <a:ext uri="{28A0092B-C50C-407E-A947-70E740481C1C}">
+                <a14:useLocalDpi xmlns:a14="http://schemas.microsoft.com/office/drawing/2010/main"/>
+              </a:ext>
+            </a:extLst>
+          </a:blip>
+          <a:stretch>
+            <a:fillRect/>
+          </a:stretch>
+        </p:blipFill>
+        <p:spPr>
+          <a:xfrm>
+            <a:off x="1543613" y="818250"/>
+            <a:ext cx="6056786" cy="4217274"/>
+          </a:xfrm>
+          <a:prstGeom prst="rect">
+            <a:avLst/>
+          </a:prstGeom>
+          <a:noFill/>
+          <a:ln>
+            <a:noFill/>
+          </a:ln>
+        </p:spPr>
+      </p:pic>
+    </p:spTree>
+  </p:cSld>
+  <p:clrMapOvr>
+    <a:masterClrMapping/>
+  </p:clrMapOvr>
+</p:sld>
+</file>
+
+<file path=ppt/slides/slide14.xml><?xml version="1.0" encoding="utf-8"?>
+<p:sld xmlns:a="http://schemas.openxmlformats.org/drawingml/2006/main" xmlns:r="http://schemas.openxmlformats.org/officeDocument/2006/relationships" xmlns:p="http://schemas.openxmlformats.org/presentationml/2006/main">
+  <p:cSld>
+    <p:spTree>
+      <p:nvGrpSpPr>
+        <p:cNvPr id="1" name="Shape 240"/>
+        <p:cNvGrpSpPr/>
+        <p:nvPr/>
+      </p:nvGrpSpPr>
+      <p:grpSpPr>
+        <a:xfrm>
+          <a:off x="0" y="0"/>
+          <a:ext cx="0" cy="0"/>
+          <a:chOff x="0" y="0"/>
+          <a:chExt cx="0" cy="0"/>
+        </a:xfrm>
+      </p:grpSpPr>
+      <p:sp>
+        <p:nvSpPr>
+          <p:cNvPr id="241" name="Google Shape;241;p28"/>
           <p:cNvSpPr txBox="1"/>
           <p:nvPr/>
         </p:nvSpPr>
@@ -17015,88 +18088,14 @@
       </p:sp>
       <p:sp>
         <p:nvSpPr>
-          <p:cNvPr id="226" name="Google Shape;226;p26"/>
+          <p:cNvPr id="242" name="Google Shape;242;p28"/>
           <p:cNvSpPr txBox="1"/>
           <p:nvPr/>
         </p:nvSpPr>
         <p:spPr>
           <a:xfrm>
-            <a:off x="60150" y="959225"/>
-            <a:ext cx="2356200" cy="757200"/>
-          </a:xfrm>
-          <a:prstGeom prst="rect">
-            <a:avLst/>
-          </a:prstGeom>
-          <a:solidFill>
-            <a:srgbClr val="FFF2CC"/>
-          </a:solidFill>
-          <a:ln w="9525" cap="flat" cmpd="sng">
-            <a:solidFill>
-              <a:srgbClr val="FF0000"/>
-            </a:solidFill>
-            <a:prstDash val="solid"/>
-            <a:round/>
-            <a:headEnd type="none" w="sm" len="sm"/>
-            <a:tailEnd type="none" w="sm" len="sm"/>
-          </a:ln>
-        </p:spPr>
-        <p:txBody>
-          <a:bodyPr spcFirstLastPara="1" wrap="square" lIns="9125" tIns="9125" rIns="9125" bIns="9125" anchor="t" anchorCtr="0">
-            <a:spAutoFit/>
-          </a:bodyPr>
-          <a:lstStyle/>
-          <a:p>
-            <a:pPr marL="0" marR="0" lvl="0" indent="0" algn="l" rtl="0">
-              <a:lnSpc>
-                <a:spcPct val="100000"/>
-              </a:lnSpc>
-              <a:spcBef>
-                <a:spcPts val="0"/>
-              </a:spcBef>
-              <a:spcAft>
-                <a:spcPts val="0"/>
-              </a:spcAft>
-              <a:buClr>
-                <a:schemeClr val="dk1"/>
-              </a:buClr>
-              <a:buSzPts val="1100"/>
-              <a:buFont typeface="Arial"/>
-              <a:buNone/>
-            </a:pPr>
-            <a:r>
-              <a:rPr lang="en" sz="1200">
-                <a:solidFill>
-                  <a:schemeClr val="dk1"/>
-                </a:solidFill>
-                <a:latin typeface="Calibri"/>
-                <a:ea typeface="Calibri"/>
-                <a:cs typeface="Calibri"/>
-                <a:sym typeface="Calibri"/>
-              </a:rPr>
-              <a:t>Microsoft has initiated performance based job cuts, resulting in immediate termination of affected employees without severance pay.</a:t>
-            </a:r>
-            <a:endParaRPr sz="1200">
-              <a:solidFill>
-                <a:schemeClr val="dk1"/>
-              </a:solidFill>
-              <a:latin typeface="Calibri"/>
-              <a:ea typeface="Calibri"/>
-              <a:cs typeface="Calibri"/>
-              <a:sym typeface="Calibri"/>
-            </a:endParaRPr>
-          </a:p>
-        </p:txBody>
-      </p:sp>
-      <p:sp>
-        <p:nvSpPr>
-          <p:cNvPr id="227" name="Google Shape;227;p26"/>
-          <p:cNvSpPr txBox="1"/>
-          <p:nvPr/>
-        </p:nvSpPr>
-        <p:spPr>
-          <a:xfrm>
-            <a:off x="2495638" y="77700"/>
-            <a:ext cx="3099000" cy="646500"/>
+            <a:off x="970200" y="77700"/>
+            <a:ext cx="3831900" cy="785100"/>
           </a:xfrm>
           <a:prstGeom prst="rect">
             <a:avLst/>
@@ -17235,18 +18234,6 @@
               </a:rPr>
               <a:t>https://techcrunch.com/2025/02/13/tech-layoffs-2024-list/</a:t>
             </a:r>
-            <a:r>
-              <a:rPr lang="en" sz="900">
-                <a:solidFill>
-                  <a:srgbClr val="0F0F0F"/>
-                </a:solidFill>
-                <a:latin typeface="Calibri"/>
-                <a:ea typeface="Calibri"/>
-                <a:cs typeface="Calibri"/>
-                <a:sym typeface="Calibri"/>
-              </a:rPr>
-              <a:t> </a:t>
-            </a:r>
             <a:endParaRPr sz="900">
               <a:solidFill>
                 <a:srgbClr val="0F0F0F"/>
@@ -17257,16 +18244,66 @@
               <a:sym typeface="Calibri"/>
             </a:endParaRPr>
           </a:p>
+          <a:p>
+            <a:pPr marL="57150" marR="0" lvl="0" indent="-114300" algn="l" rtl="0">
+              <a:lnSpc>
+                <a:spcPct val="100000"/>
+              </a:lnSpc>
+              <a:spcBef>
+                <a:spcPts val="0"/>
+              </a:spcBef>
+              <a:spcAft>
+                <a:spcPts val="0"/>
+              </a:spcAft>
+              <a:buSzPts val="900"/>
+              <a:buFont typeface="Calibri"/>
+              <a:buChar char="●"/>
+            </a:pPr>
+            <a:r>
+              <a:rPr lang="en" sz="900" u="sng">
+                <a:solidFill>
+                  <a:schemeClr val="hlink"/>
+                </a:solidFill>
+                <a:latin typeface="Calibri"/>
+                <a:ea typeface="Calibri"/>
+                <a:cs typeface="Calibri"/>
+                <a:sym typeface="Calibri"/>
+                <a:hlinkClick r:id="rId5"/>
+              </a:rPr>
+              <a:t>https://blog.pragmaticengineer.com/software-engineer-jobs-five-year-low/</a:t>
+            </a:r>
+            <a:r>
+              <a:rPr lang="en" sz="900">
+                <a:solidFill>
+                  <a:srgbClr val="0F0F0F"/>
+                </a:solidFill>
+                <a:latin typeface="Calibri"/>
+                <a:ea typeface="Calibri"/>
+                <a:cs typeface="Calibri"/>
+                <a:sym typeface="Calibri"/>
+              </a:rPr>
+              <a:t>  </a:t>
+            </a:r>
+            <a:endParaRPr sz="900">
+              <a:solidFill>
+                <a:srgbClr val="0F0F0F"/>
+              </a:solidFill>
+              <a:latin typeface="Calibri"/>
+              <a:ea typeface="Calibri"/>
+              <a:cs typeface="Calibri"/>
+              <a:sym typeface="Calibri"/>
+            </a:endParaRPr>
+          </a:p>
         </p:txBody>
       </p:sp>
       <p:pic>
         <p:nvPicPr>
-          <p:cNvPr id="228" name="Google Shape;228;p26"/>
+          <p:cNvPr id="243" name="Google Shape;243;p28"/>
           <p:cNvPicPr preferRelativeResize="0"/>
           <p:nvPr/>
         </p:nvPicPr>
         <p:blipFill>
-          <a:blip r:embed="rId5" cstate="email">
+          <a:blip r:embed="rId6" cstate="email">
             <a:alphaModFix/>
             <a:extLst>
               <a:ext uri="{28A0092B-C50C-407E-A947-70E740481C1C}">
@@ -17280,8 +18317,8 @@
         </p:blipFill>
         <p:spPr>
           <a:xfrm>
-            <a:off x="71496" y="2645075"/>
-            <a:ext cx="4795368" cy="2070026"/>
+            <a:off x="136350" y="2961225"/>
+            <a:ext cx="3277500" cy="1877359"/>
           </a:xfrm>
           <a:prstGeom prst="rect">
             <a:avLst/>
@@ -17300,12 +18337,12 @@
       </p:pic>
       <p:pic>
         <p:nvPicPr>
-          <p:cNvPr id="229" name="Google Shape;229;p26"/>
+          <p:cNvPr id="244" name="Google Shape;244;p28"/>
           <p:cNvPicPr preferRelativeResize="0"/>
           <p:nvPr/>
         </p:nvPicPr>
-        <p:blipFill rotWithShape="1">
-          <a:blip r:embed="rId6" cstate="email">
+        <p:blipFill>
+          <a:blip r:embed="rId7" cstate="email">
             <a:alphaModFix/>
             <a:extLst>
               <a:ext uri="{28A0092B-C50C-407E-A947-70E740481C1C}">
@@ -17313,13 +18350,14 @@
               </a:ext>
             </a:extLst>
           </a:blip>
-          <a:srcRect/>
-          <a:stretch/>
+          <a:stretch>
+            <a:fillRect/>
+          </a:stretch>
         </p:blipFill>
         <p:spPr>
           <a:xfrm>
-            <a:off x="6216186" y="56008"/>
-            <a:ext cx="2309100" cy="5045376"/>
+            <a:off x="4919847" y="3631530"/>
+            <a:ext cx="3161762" cy="1433225"/>
           </a:xfrm>
           <a:prstGeom prst="rect">
             <a:avLst/>
@@ -17338,12 +18376,12 @@
       </p:pic>
       <p:pic>
         <p:nvPicPr>
-          <p:cNvPr id="230" name="Google Shape;230;p26"/>
+          <p:cNvPr id="245" name="Google Shape;245;p28"/>
           <p:cNvPicPr preferRelativeResize="0"/>
           <p:nvPr/>
         </p:nvPicPr>
-        <p:blipFill rotWithShape="1">
-          <a:blip r:embed="rId7" cstate="email">
+        <p:blipFill>
+          <a:blip r:embed="rId8" cstate="email">
             <a:alphaModFix/>
             <a:extLst>
               <a:ext uri="{28A0092B-C50C-407E-A947-70E740481C1C}">
@@ -17351,13 +18389,14 @@
               </a:ext>
             </a:extLst>
           </a:blip>
-          <a:srcRect/>
-          <a:stretch/>
+          <a:stretch>
+            <a:fillRect/>
+          </a:stretch>
         </p:blipFill>
         <p:spPr>
           <a:xfrm>
-            <a:off x="8527367" y="56008"/>
-            <a:ext cx="555975" cy="5045376"/>
+            <a:off x="4923450" y="2136039"/>
+            <a:ext cx="3161751" cy="1422360"/>
           </a:xfrm>
           <a:prstGeom prst="rect">
             <a:avLst/>
@@ -17374,23 +18413,34 @@
           </a:ln>
         </p:spPr>
       </p:pic>
-      <p:sp>
-        <p:nvSpPr>
-          <p:cNvPr id="231" name="Google Shape;231;p26"/>
-          <p:cNvSpPr txBox="1"/>
+      <p:pic>
+        <p:nvPicPr>
+          <p:cNvPr id="246" name="Google Shape;246;p28"/>
+          <p:cNvPicPr preferRelativeResize="0"/>
           <p:nvPr/>
-        </p:nvSpPr>
+        </p:nvPicPr>
+        <p:blipFill>
+          <a:blip r:embed="rId9" cstate="email">
+            <a:alphaModFix/>
+            <a:extLst>
+              <a:ext uri="{28A0092B-C50C-407E-A947-70E740481C1C}">
+                <a14:useLocalDpi xmlns:a14="http://schemas.microsoft.com/office/drawing/2010/main"/>
+              </a:ext>
+            </a:extLst>
+          </a:blip>
+          <a:stretch>
+            <a:fillRect/>
+          </a:stretch>
+        </p:blipFill>
         <p:spPr>
           <a:xfrm>
-            <a:off x="2495650" y="959225"/>
-            <a:ext cx="3465000" cy="818700"/>
+            <a:off x="4923450" y="77700"/>
+            <a:ext cx="4151700" cy="1916168"/>
           </a:xfrm>
           <a:prstGeom prst="rect">
             <a:avLst/>
           </a:prstGeom>
-          <a:solidFill>
-            <a:srgbClr val="FFF2CC"/>
-          </a:solidFill>
+          <a:noFill/>
           <a:ln w="9525" cap="flat" cmpd="sng">
             <a:solidFill>
               <a:srgbClr val="FF0000"/>
@@ -17401,100 +18451,46 @@
             <a:tailEnd type="none" w="sm" len="sm"/>
           </a:ln>
         </p:spPr>
-        <p:txBody>
-          <a:bodyPr spcFirstLastPara="1" wrap="square" lIns="9125" tIns="9125" rIns="9125" bIns="9125" anchor="t" anchorCtr="0">
-            <a:spAutoFit/>
-          </a:bodyPr>
-          <a:lstStyle/>
-          <a:p>
-            <a:pPr marL="0" marR="0" lvl="0" indent="0" algn="l" rtl="0">
-              <a:lnSpc>
-                <a:spcPct val="100000"/>
-              </a:lnSpc>
-              <a:spcBef>
-                <a:spcPts val="0"/>
-              </a:spcBef>
-              <a:spcAft>
-                <a:spcPts val="0"/>
-              </a:spcAft>
-              <a:buClr>
-                <a:schemeClr val="dk1"/>
-              </a:buClr>
-              <a:buSzPts val="1100"/>
-              <a:buFont typeface="Arial"/>
-              <a:buNone/>
-            </a:pPr>
-            <a:r>
-              <a:rPr lang="en">
-                <a:latin typeface="Calibri"/>
-                <a:ea typeface="Calibri"/>
-                <a:cs typeface="Calibri"/>
-                <a:sym typeface="Calibri"/>
-              </a:rPr>
-              <a:t>Software engineering job openings 35% lower than 5 years ago</a:t>
-            </a:r>
-            <a:endParaRPr>
-              <a:latin typeface="Calibri"/>
-              <a:ea typeface="Calibri"/>
-              <a:cs typeface="Calibri"/>
-              <a:sym typeface="Calibri"/>
-            </a:endParaRPr>
-          </a:p>
-          <a:p>
-            <a:pPr marL="0" marR="0" lvl="0" indent="0" algn="l" rtl="0">
-              <a:lnSpc>
-                <a:spcPct val="100000"/>
-              </a:lnSpc>
-              <a:spcBef>
-                <a:spcPts val="0"/>
-              </a:spcBef>
-              <a:spcAft>
-                <a:spcPts val="0"/>
-              </a:spcAft>
-              <a:buClr>
-                <a:schemeClr val="dk1"/>
-              </a:buClr>
-              <a:buSzPts val="1100"/>
-              <a:buFont typeface="Arial"/>
-              <a:buNone/>
-            </a:pPr>
-            <a:r>
-              <a:rPr lang="en" sz="1200" u="sng">
-                <a:solidFill>
-                  <a:schemeClr val="hlink"/>
-                </a:solidFill>
-                <a:latin typeface="Calibri"/>
-                <a:ea typeface="Calibri"/>
-                <a:cs typeface="Calibri"/>
-                <a:sym typeface="Calibri"/>
-                <a:hlinkClick r:id="rId8"/>
-              </a:rPr>
-              <a:t>https://www.techspot.com/news/106878-software-engineering-job-openings-plummet-35-five-year.html</a:t>
-            </a:r>
-            <a:r>
-              <a:rPr lang="en" sz="1200">
-                <a:solidFill>
-                  <a:schemeClr val="dk1"/>
-                </a:solidFill>
-                <a:latin typeface="Calibri"/>
-                <a:ea typeface="Calibri"/>
-                <a:cs typeface="Calibri"/>
-                <a:sym typeface="Calibri"/>
-              </a:rPr>
-              <a:t> </a:t>
-            </a:r>
-            <a:endParaRPr sz="1200">
-              <a:solidFill>
-                <a:schemeClr val="dk1"/>
-              </a:solidFill>
-              <a:latin typeface="Calibri"/>
-              <a:ea typeface="Calibri"/>
-              <a:cs typeface="Calibri"/>
-              <a:sym typeface="Calibri"/>
-            </a:endParaRPr>
-          </a:p>
-        </p:txBody>
-      </p:sp>
+      </p:pic>
+      <p:pic>
+        <p:nvPicPr>
+          <p:cNvPr id="247" name="Google Shape;247;p28"/>
+          <p:cNvPicPr preferRelativeResize="0"/>
+          <p:nvPr/>
+        </p:nvPicPr>
+        <p:blipFill>
+          <a:blip r:embed="rId10" cstate="email">
+            <a:alphaModFix/>
+            <a:extLst>
+              <a:ext uri="{28A0092B-C50C-407E-A947-70E740481C1C}">
+                <a14:useLocalDpi xmlns:a14="http://schemas.microsoft.com/office/drawing/2010/main"/>
+              </a:ext>
+            </a:extLst>
+          </a:blip>
+          <a:stretch>
+            <a:fillRect/>
+          </a:stretch>
+        </p:blipFill>
+        <p:spPr>
+          <a:xfrm>
+            <a:off x="136350" y="1017002"/>
+            <a:ext cx="3277500" cy="1791826"/>
+          </a:xfrm>
+          <a:prstGeom prst="rect">
+            <a:avLst/>
+          </a:prstGeom>
+          <a:noFill/>
+          <a:ln w="9525" cap="flat" cmpd="sng">
+            <a:solidFill>
+              <a:srgbClr val="FF0000"/>
+            </a:solidFill>
+            <a:prstDash val="solid"/>
+            <a:round/>
+            <a:headEnd type="none" w="sm" len="sm"/>
+            <a:tailEnd type="none" w="sm" len="sm"/>
+          </a:ln>
+        </p:spPr>
+      </p:pic>
     </p:spTree>
   </p:cSld>
   <p:clrMapOvr>
@@ -17503,12 +18499,12 @@
 </p:sld>
 </file>
 
-<file path=ppt/slides/slide13.xml><?xml version="1.0" encoding="utf-8"?>
+<file path=ppt/slides/slide15.xml><?xml version="1.0" encoding="utf-8"?>
 <p:sld xmlns:a="http://schemas.openxmlformats.org/drawingml/2006/main" xmlns:r="http://schemas.openxmlformats.org/officeDocument/2006/relationships" xmlns:p="http://schemas.openxmlformats.org/presentationml/2006/main">
   <p:cSld>
     <p:spTree>
       <p:nvGrpSpPr>
-        <p:cNvPr id="1" name="Shape 235"/>
+        <p:cNvPr id="1" name="Shape 251"/>
         <p:cNvGrpSpPr/>
         <p:nvPr/>
       </p:nvGrpSpPr>
@@ -17522,7 +18518,7 @@
       </p:grpSpPr>
       <p:pic>
         <p:nvPicPr>
-          <p:cNvPr id="236" name="Google Shape;236;p27"/>
+          <p:cNvPr id="252" name="Google Shape;252;p29"/>
           <p:cNvPicPr preferRelativeResize="0"/>
           <p:nvPr/>
         </p:nvPicPr>
@@ -17554,7 +18550,7 @@
       </p:pic>
       <p:sp>
         <p:nvSpPr>
-          <p:cNvPr id="237" name="Google Shape;237;p27"/>
+          <p:cNvPr id="253" name="Google Shape;253;p29"/>
           <p:cNvSpPr txBox="1"/>
           <p:nvPr/>
         </p:nvSpPr>
@@ -17620,7 +18616,7 @@
       </p:sp>
       <p:sp>
         <p:nvSpPr>
-          <p:cNvPr id="238" name="Google Shape;238;p27"/>
+          <p:cNvPr id="254" name="Google Shape;254;p29"/>
           <p:cNvSpPr txBox="1"/>
           <p:nvPr/>
         </p:nvSpPr>
@@ -18050,7 +19046,7 @@
       </p:sp>
       <p:pic>
         <p:nvPicPr>
-          <p:cNvPr id="239" name="Google Shape;239;p27"/>
+          <p:cNvPr id="255" name="Google Shape;255;p29"/>
           <p:cNvPicPr preferRelativeResize="0"/>
           <p:nvPr/>
         </p:nvPicPr>
@@ -18082,7 +19078,7 @@
       </p:pic>
       <p:sp>
         <p:nvSpPr>
-          <p:cNvPr id="240" name="Google Shape;240;p27"/>
+          <p:cNvPr id="256" name="Google Shape;256;p29"/>
           <p:cNvSpPr txBox="1"/>
           <p:nvPr/>
         </p:nvSpPr>
@@ -18161,7 +19157,7 @@
       </p:sp>
       <p:sp>
         <p:nvSpPr>
-          <p:cNvPr id="241" name="Google Shape;241;p27"/>
+          <p:cNvPr id="257" name="Google Shape;257;p29"/>
           <p:cNvSpPr txBox="1"/>
           <p:nvPr/>
         </p:nvSpPr>
@@ -18233,12 +19229,12 @@
 </p:sld>
 </file>
 
-<file path=ppt/slides/slide14.xml><?xml version="1.0" encoding="utf-8"?>
+<file path=ppt/slides/slide16.xml><?xml version="1.0" encoding="utf-8"?>
 <p:sld xmlns:a="http://schemas.openxmlformats.org/drawingml/2006/main" xmlns:r="http://schemas.openxmlformats.org/officeDocument/2006/relationships" xmlns:p="http://schemas.openxmlformats.org/presentationml/2006/main">
   <p:cSld>
     <p:spTree>
       <p:nvGrpSpPr>
-        <p:cNvPr id="1" name="Shape 245"/>
+        <p:cNvPr id="1" name="Shape 261"/>
         <p:cNvGrpSpPr/>
         <p:nvPr/>
       </p:nvGrpSpPr>
@@ -18252,7 +19248,7 @@
       </p:grpSpPr>
       <p:sp>
         <p:nvSpPr>
-          <p:cNvPr id="246" name="Google Shape;246;p28"/>
+          <p:cNvPr id="262" name="Google Shape;262;p30"/>
           <p:cNvSpPr txBox="1"/>
           <p:nvPr/>
         </p:nvSpPr>
@@ -19044,7 +20040,7 @@
         <p:spPr>
           <a:xfrm>
             <a:off x="55075" y="554200"/>
-            <a:ext cx="4375800" cy="3158400"/>
+            <a:ext cx="4830300" cy="4082100"/>
           </a:xfrm>
           <a:prstGeom prst="rect">
             <a:avLst/>
@@ -19092,7 +20088,103 @@
                 <a:cs typeface="Calibri"/>
                 <a:sym typeface="Calibri"/>
               </a:rPr>
-              <a:t>Feb 27 OpenAI GPT-4.5 released research preview of GPT-4.5</a:t>
+              <a:t>Feb 27 </a:t>
+            </a:r>
+            <a:r>
+              <a:rPr lang="en" sz="1200" b="1">
+                <a:solidFill>
+                  <a:srgbClr val="FF0000"/>
+                </a:solidFill>
+                <a:latin typeface="Calibri"/>
+                <a:ea typeface="Calibri"/>
+                <a:cs typeface="Calibri"/>
+                <a:sym typeface="Calibri"/>
+              </a:rPr>
+              <a:t>OpenAI GPT-4.5 "Orion"</a:t>
+            </a:r>
+            <a:r>
+              <a:rPr lang="en" sz="1200">
+                <a:solidFill>
+                  <a:schemeClr val="dk1"/>
+                </a:solidFill>
+                <a:latin typeface="Calibri"/>
+                <a:ea typeface="Calibri"/>
+                <a:cs typeface="Calibri"/>
+                <a:sym typeface="Calibri"/>
+              </a:rPr>
+              <a:t> released research preview of GPT-4.5</a:t>
+            </a:r>
+            <a:br>
+              <a:rPr lang="en" sz="1200">
+                <a:solidFill>
+                  <a:schemeClr val="dk1"/>
+                </a:solidFill>
+                <a:latin typeface="Calibri"/>
+                <a:ea typeface="Calibri"/>
+                <a:cs typeface="Calibri"/>
+                <a:sym typeface="Calibri"/>
+              </a:rPr>
+            </a:br>
+            <a:r>
+              <a:rPr lang="en" sz="1200" u="sng">
+                <a:solidFill>
+                  <a:schemeClr val="hlink"/>
+                </a:solidFill>
+                <a:latin typeface="Calibri"/>
+                <a:ea typeface="Calibri"/>
+                <a:cs typeface="Calibri"/>
+                <a:sym typeface="Calibri"/>
+                <a:hlinkClick r:id="rId3"/>
+              </a:rPr>
+              <a:t>https://openai.com/index/introducing-gpt-4-5/</a:t>
+            </a:r>
+            <a:r>
+              <a:rPr lang="en" sz="1200">
+                <a:solidFill>
+                  <a:schemeClr val="dk1"/>
+                </a:solidFill>
+                <a:latin typeface="Calibri"/>
+                <a:ea typeface="Calibri"/>
+                <a:cs typeface="Calibri"/>
+                <a:sym typeface="Calibri"/>
+              </a:rPr>
+              <a:t> </a:t>
+            </a:r>
+            <a:br>
+              <a:rPr lang="en" sz="1200">
+                <a:solidFill>
+                  <a:schemeClr val="dk1"/>
+                </a:solidFill>
+                <a:latin typeface="Calibri"/>
+                <a:ea typeface="Calibri"/>
+                <a:cs typeface="Calibri"/>
+                <a:sym typeface="Calibri"/>
+              </a:rPr>
+            </a:br>
+            <a:r>
+              <a:rPr lang="en" sz="1200" u="sng">
+                <a:solidFill>
+                  <a:schemeClr val="hlink"/>
+                </a:solidFill>
+                <a:latin typeface="Calibri"/>
+                <a:ea typeface="Calibri"/>
+                <a:cs typeface="Calibri"/>
+                <a:sym typeface="Calibri"/>
+                <a:hlinkClick r:id="rId4"/>
+              </a:rPr>
+              <a:t>https://www.youtube.com/watch?v=FW2XOIxaNqg</a:t>
+            </a:r>
+            <a:r>
+              <a:rPr lang="en" sz="1200">
+                <a:solidFill>
+                  <a:schemeClr val="dk1"/>
+                </a:solidFill>
+                <a:latin typeface="Calibri"/>
+                <a:ea typeface="Calibri"/>
+                <a:cs typeface="Calibri"/>
+                <a:sym typeface="Calibri"/>
+              </a:rPr>
+              <a:t> - FireShip Summary</a:t>
             </a:r>
             <a:endParaRPr sz="1200">
               <a:solidFill>
@@ -19129,7 +20221,7 @@
                 <a:cs typeface="Calibri"/>
                 <a:sym typeface="Calibri"/>
               </a:rPr>
-              <a:t>now - to Pro and AIP, next week - to Plus and Team</a:t>
+              <a:t>now released to Pro and API, next week - to Plus and Team</a:t>
             </a:r>
             <a:endParaRPr sz="1200">
               <a:solidFill>
@@ -19157,6 +20249,18 @@
               <a:buChar char="●"/>
             </a:pPr>
             <a:r>
+              <a:rPr lang="en" sz="1200" b="1">
+                <a:solidFill>
+                  <a:srgbClr val="FF0000"/>
+                </a:solidFill>
+                <a:latin typeface="Calibri"/>
+                <a:ea typeface="Calibri"/>
+                <a:cs typeface="Calibri"/>
+                <a:sym typeface="Calibri"/>
+              </a:rPr>
+              <a:t>non-reasoning </a:t>
+            </a:r>
+            <a:r>
               <a:rPr lang="en" sz="1200">
                 <a:solidFill>
                   <a:schemeClr val="dk1"/>
@@ -19166,7 +20270,7 @@
                 <a:cs typeface="Calibri"/>
                 <a:sym typeface="Calibri"/>
               </a:rPr>
-              <a:t>non-reasoning (upgrade over gpt-4o)</a:t>
+              <a:t>(upgrade over gpt-4o)</a:t>
             </a:r>
             <a:endParaRPr sz="1200">
               <a:solidFill>
@@ -19240,7 +20344,7 @@
                 <a:cs typeface="Calibri"/>
                 <a:sym typeface="Calibri"/>
               </a:rPr>
-              <a:t>feels more natural</a:t>
+              <a:t>feels more natural, improved "vibes" (warmth and intuitiveness)</a:t>
             </a:r>
             <a:endParaRPr sz="1200">
               <a:solidFill>
@@ -19277,7 +20381,7 @@
                 <a:cs typeface="Calibri"/>
                 <a:sym typeface="Calibri"/>
               </a:rPr>
-              <a:t>broader knowledge base</a:t>
+              <a:t>reduced hallucinations</a:t>
             </a:r>
             <a:endParaRPr sz="1200">
               <a:solidFill>
@@ -19314,7 +20418,7 @@
                 <a:cs typeface="Calibri"/>
                 <a:sym typeface="Calibri"/>
               </a:rPr>
-              <a:t>improved ability to follow user intent</a:t>
+              <a:t>broader knowledge base</a:t>
             </a:r>
             <a:endParaRPr sz="1200">
               <a:solidFill>
@@ -19351,7 +20455,7 @@
                 <a:cs typeface="Calibri"/>
                 <a:sym typeface="Calibri"/>
               </a:rPr>
-              <a:t>greater at Emotional Intelligence</a:t>
+              <a:t>improved ability to follow user intent</a:t>
             </a:r>
             <a:endParaRPr sz="1200">
               <a:solidFill>
@@ -19388,7 +20492,7 @@
                 <a:cs typeface="Calibri"/>
                 <a:sym typeface="Calibri"/>
               </a:rPr>
-              <a:t>better at writing, coding, solving problems.</a:t>
+              <a:t>greater at Emotional Intelligence</a:t>
             </a:r>
             <a:endParaRPr sz="1200">
               <a:solidFill>
@@ -19425,7 +20529,7 @@
                 <a:cs typeface="Calibri"/>
                 <a:sym typeface="Calibri"/>
               </a:rPr>
-              <a:t>scaled up pre-training and post-training</a:t>
+              <a:t>better at writing, coding, solving problems.</a:t>
             </a:r>
             <a:endParaRPr sz="1200">
               <a:solidFill>
@@ -19462,7 +20566,7 @@
                 <a:cs typeface="Calibri"/>
                 <a:sym typeface="Calibri"/>
               </a:rPr>
-              <a:t>scaled unsupervised learning - better pattern recognition,</a:t>
+              <a:t>scaled up pre-training and post-training</a:t>
             </a:r>
             <a:endParaRPr sz="1200">
               <a:solidFill>
@@ -19499,7 +20603,7 @@
                 <a:cs typeface="Calibri"/>
                 <a:sym typeface="Calibri"/>
               </a:rPr>
-              <a:t>better ability to draw connections and generate creative insights without reasoning</a:t>
+              <a:t>scaled unsupervised learning - better pattern recognition,</a:t>
             </a:r>
             <a:endParaRPr sz="1200">
               <a:solidFill>
@@ -19536,7 +20640,7 @@
                 <a:cs typeface="Calibri"/>
                 <a:sym typeface="Calibri"/>
               </a:rPr>
-              <a:t>has access to the latest up-to-date information with search</a:t>
+              <a:t>better ability to draw connections </a:t>
             </a:r>
             <a:endParaRPr sz="1200">
               <a:solidFill>
@@ -19573,11 +20677,23 @@
                 <a:cs typeface="Calibri"/>
                 <a:sym typeface="Calibri"/>
               </a:rPr>
-              <a:t>supports file &amp; image uploads</a:t>
-            </a:r>
-            <a:endParaRPr sz="1200">
+              <a:t>and generate creative insights </a:t>
+            </a:r>
+            <a:r>
+              <a:rPr lang="en" sz="1200" b="1">
+                <a:solidFill>
+                  <a:srgbClr val="FF0000"/>
+                </a:solidFill>
+                <a:latin typeface="Calibri"/>
+                <a:ea typeface="Calibri"/>
+                <a:cs typeface="Calibri"/>
+                <a:sym typeface="Calibri"/>
+              </a:rPr>
+              <a:t>without reasoning</a:t>
+            </a:r>
+            <a:endParaRPr sz="1200" b="1">
               <a:solidFill>
-                <a:schemeClr val="dk1"/>
+                <a:srgbClr val="FF0000"/>
               </a:solidFill>
               <a:latin typeface="Calibri"/>
               <a:ea typeface="Calibri"/>
@@ -19610,7 +20726,7 @@
                 <a:cs typeface="Calibri"/>
                 <a:sym typeface="Calibri"/>
               </a:rPr>
-              <a:t>can use canvas to work on writing and coding</a:t>
+              <a:t>has access to the latest up-to-date information with search</a:t>
             </a:r>
             <a:endParaRPr sz="1200">
               <a:solidFill>
@@ -19647,7 +20763,118 @@
                 <a:cs typeface="Calibri"/>
                 <a:sym typeface="Calibri"/>
               </a:rPr>
+              <a:t>supports file &amp; image uploads</a:t>
+            </a:r>
+            <a:endParaRPr sz="1200">
+              <a:solidFill>
+                <a:schemeClr val="dk1"/>
+              </a:solidFill>
+              <a:latin typeface="Calibri"/>
+              <a:ea typeface="Calibri"/>
+              <a:cs typeface="Calibri"/>
+              <a:sym typeface="Calibri"/>
+            </a:endParaRPr>
+          </a:p>
+          <a:p>
+            <a:pPr marL="171450" lvl="0" indent="-133350" algn="l" rtl="0">
+              <a:spcBef>
+                <a:spcPts val="0"/>
+              </a:spcBef>
+              <a:spcAft>
+                <a:spcPts val="0"/>
+              </a:spcAft>
+              <a:buClr>
+                <a:schemeClr val="dk1"/>
+              </a:buClr>
+              <a:buSzPts val="1200"/>
+              <a:buFont typeface="Calibri"/>
+              <a:buChar char="●"/>
+            </a:pPr>
+            <a:r>
+              <a:rPr lang="en" sz="1200">
+                <a:solidFill>
+                  <a:schemeClr val="dk1"/>
+                </a:solidFill>
+                <a:latin typeface="Calibri"/>
+                <a:ea typeface="Calibri"/>
+                <a:cs typeface="Calibri"/>
+                <a:sym typeface="Calibri"/>
+              </a:rPr>
+              <a:t>can use canvas to work on writing and coding</a:t>
+            </a:r>
+            <a:endParaRPr sz="1200">
+              <a:solidFill>
+                <a:schemeClr val="dk1"/>
+              </a:solidFill>
+              <a:latin typeface="Calibri"/>
+              <a:ea typeface="Calibri"/>
+              <a:cs typeface="Calibri"/>
+              <a:sym typeface="Calibri"/>
+            </a:endParaRPr>
+          </a:p>
+          <a:p>
+            <a:pPr marL="171450" lvl="0" indent="-133350" algn="l" rtl="0">
+              <a:spcBef>
+                <a:spcPts val="0"/>
+              </a:spcBef>
+              <a:spcAft>
+                <a:spcPts val="0"/>
+              </a:spcAft>
+              <a:buClr>
+                <a:schemeClr val="dk1"/>
+              </a:buClr>
+              <a:buSzPts val="1200"/>
+              <a:buFont typeface="Calibri"/>
+              <a:buChar char="●"/>
+            </a:pPr>
+            <a:r>
+              <a:rPr lang="en" sz="1200">
+                <a:solidFill>
+                  <a:schemeClr val="dk1"/>
+                </a:solidFill>
+                <a:latin typeface="Calibri"/>
+                <a:ea typeface="Calibri"/>
+                <a:cs typeface="Calibri"/>
+                <a:sym typeface="Calibri"/>
+              </a:rPr>
               <a:t>not multimodal yet (no voice mode, video, and screen sharing)</a:t>
+            </a:r>
+            <a:endParaRPr sz="1200">
+              <a:solidFill>
+                <a:schemeClr val="dk1"/>
+              </a:solidFill>
+              <a:latin typeface="Calibri"/>
+              <a:ea typeface="Calibri"/>
+              <a:cs typeface="Calibri"/>
+              <a:sym typeface="Calibri"/>
+            </a:endParaRPr>
+          </a:p>
+          <a:p>
+            <a:pPr marL="171450" lvl="0" indent="-133350" algn="l" rtl="0">
+              <a:spcBef>
+                <a:spcPts val="0"/>
+              </a:spcBef>
+              <a:spcAft>
+                <a:spcPts val="0"/>
+              </a:spcAft>
+              <a:buClr>
+                <a:schemeClr val="dk1"/>
+              </a:buClr>
+              <a:buSzPts val="1200"/>
+              <a:buFont typeface="Calibri"/>
+              <a:buChar char="●"/>
+            </a:pPr>
+            <a:r>
+              <a:rPr lang="en" sz="1200">
+                <a:solidFill>
+                  <a:schemeClr val="dk1"/>
+                </a:solidFill>
+                <a:latin typeface="Calibri"/>
+                <a:ea typeface="Calibri"/>
+                <a:cs typeface="Calibri"/>
+                <a:sym typeface="Calibri"/>
+              </a:rPr>
+              <a:t>GPT-4.5 is very large, compute-intensive, and very expensive - typical query costs on average $68 / 1M tokens</a:t>
             </a:r>
             <a:endParaRPr sz="1200">
               <a:solidFill>
@@ -19668,7 +20895,7 @@
           <p:nvPr/>
         </p:nvPicPr>
         <p:blipFill>
-          <a:blip r:embed="rId3" cstate="email">
+          <a:blip r:embed="rId5" cstate="email">
             <a:alphaModFix/>
             <a:extLst>
               <a:ext uri="{28A0092B-C50C-407E-A947-70E740481C1C}">
@@ -19707,8 +20934,13 @@
           <p:nvPr/>
         </p:nvPicPr>
         <p:blipFill>
-          <a:blip r:embed="rId4">
+          <a:blip r:embed="rId6" cstate="email">
             <a:alphaModFix/>
+            <a:extLst>
+              <a:ext uri="{28A0092B-C50C-407E-A947-70E740481C1C}">
+                <a14:useLocalDpi xmlns:a14="http://schemas.microsoft.com/office/drawing/2010/main"/>
+              </a:ext>
+            </a:extLst>
           </a:blip>
           <a:stretch>
             <a:fillRect/>
@@ -19716,8 +20948,8 @@
         </p:blipFill>
         <p:spPr>
           <a:xfrm>
-            <a:off x="5183125" y="542800"/>
-            <a:ext cx="2667000" cy="1714500"/>
+            <a:off x="4945275" y="134000"/>
+            <a:ext cx="1768650" cy="1137000"/>
           </a:xfrm>
           <a:prstGeom prst="rect">
             <a:avLst/>
@@ -19734,6 +20966,39 @@
           </a:ln>
         </p:spPr>
       </p:pic>
+      <p:pic>
+        <p:nvPicPr>
+          <p:cNvPr id="86" name="Google Shape;86;p17"/>
+          <p:cNvPicPr preferRelativeResize="0"/>
+          <p:nvPr/>
+        </p:nvPicPr>
+        <p:blipFill>
+          <a:blip r:embed="rId7" cstate="email">
+            <a:alphaModFix/>
+            <a:extLst>
+              <a:ext uri="{28A0092B-C50C-407E-A947-70E740481C1C}">
+                <a14:useLocalDpi xmlns:a14="http://schemas.microsoft.com/office/drawing/2010/main"/>
+              </a:ext>
+            </a:extLst>
+          </a:blip>
+          <a:stretch>
+            <a:fillRect/>
+          </a:stretch>
+        </p:blipFill>
+        <p:spPr>
+          <a:xfrm>
+            <a:off x="7055335" y="134000"/>
+            <a:ext cx="2009265" cy="1136999"/>
+          </a:xfrm>
+          <a:prstGeom prst="rect">
+            <a:avLst/>
+          </a:prstGeom>
+          <a:noFill/>
+          <a:ln>
+            <a:noFill/>
+          </a:ln>
+        </p:spPr>
+      </p:pic>
     </p:spTree>
   </p:cSld>
   <p:clrMapOvr>
@@ -19747,7 +21012,7 @@
   <p:cSld>
     <p:spTree>
       <p:nvGrpSpPr>
-        <p:cNvPr id="1" name="Shape 89"/>
+        <p:cNvPr id="1" name="Shape 90"/>
         <p:cNvGrpSpPr/>
         <p:nvPr/>
       </p:nvGrpSpPr>
@@ -19761,7 +21026,7 @@
       </p:grpSpPr>
       <p:sp>
         <p:nvSpPr>
-          <p:cNvPr id="90" name="Google Shape;90;p18"/>
+          <p:cNvPr id="91" name="Google Shape;91;p18"/>
           <p:cNvSpPr txBox="1"/>
           <p:nvPr/>
         </p:nvSpPr>
@@ -19824,7 +21089,7 @@
       </p:sp>
       <p:sp>
         <p:nvSpPr>
-          <p:cNvPr id="91" name="Google Shape;91;p18"/>
+          <p:cNvPr id="92" name="Google Shape;92;p18"/>
           <p:cNvSpPr txBox="1"/>
           <p:nvPr/>
         </p:nvSpPr>
@@ -20043,7 +21308,7 @@
       </p:sp>
       <p:sp>
         <p:nvSpPr>
-          <p:cNvPr id="92" name="Google Shape;92;p18"/>
+          <p:cNvPr id="93" name="Google Shape;93;p18"/>
           <p:cNvSpPr txBox="1"/>
           <p:nvPr/>
         </p:nvSpPr>
@@ -20300,7 +21565,7 @@
       </p:sp>
       <p:sp>
         <p:nvSpPr>
-          <p:cNvPr id="93" name="Google Shape;93;p18"/>
+          <p:cNvPr id="94" name="Google Shape;94;p18"/>
           <p:cNvSpPr txBox="1"/>
           <p:nvPr/>
         </p:nvSpPr>
@@ -20655,7 +21920,7 @@
       </p:sp>
       <p:pic>
         <p:nvPicPr>
-          <p:cNvPr id="94" name="Google Shape;94;p18"/>
+          <p:cNvPr id="95" name="Google Shape;95;p18"/>
           <p:cNvPicPr preferRelativeResize="0"/>
           <p:nvPr/>
         </p:nvPicPr>
@@ -20694,7 +21959,7 @@
       </p:pic>
       <p:pic>
         <p:nvPicPr>
-          <p:cNvPr id="95" name="Google Shape;95;p18"/>
+          <p:cNvPr id="96" name="Google Shape;96;p18"/>
           <p:cNvPicPr preferRelativeResize="0"/>
           <p:nvPr/>
         </p:nvPicPr>
@@ -20733,7 +21998,7 @@
       </p:pic>
       <p:pic>
         <p:nvPicPr>
-          <p:cNvPr id="96" name="Google Shape;96;p18"/>
+          <p:cNvPr id="97" name="Google Shape;97;p18"/>
           <p:cNvPicPr preferRelativeResize="0"/>
           <p:nvPr/>
         </p:nvPicPr>
@@ -20783,7 +22048,7 @@
   <p:cSld>
     <p:spTree>
       <p:nvGrpSpPr>
-        <p:cNvPr id="1" name="Shape 100"/>
+        <p:cNvPr id="1" name="Shape 101"/>
         <p:cNvGrpSpPr/>
         <p:nvPr/>
       </p:nvGrpSpPr>
@@ -20797,7 +22062,7 @@
       </p:grpSpPr>
       <p:sp>
         <p:nvSpPr>
-          <p:cNvPr id="101" name="Google Shape;101;p19"/>
+          <p:cNvPr id="102" name="Google Shape;102;p19"/>
           <p:cNvSpPr txBox="1"/>
           <p:nvPr/>
         </p:nvSpPr>
@@ -20860,7 +22125,7 @@
       </p:sp>
       <p:sp>
         <p:nvSpPr>
-          <p:cNvPr id="102" name="Google Shape;102;p19"/>
+          <p:cNvPr id="103" name="Google Shape;103;p19"/>
           <p:cNvSpPr txBox="1"/>
           <p:nvPr/>
         </p:nvSpPr>
@@ -21067,7 +22332,7 @@
       </p:sp>
       <p:pic>
         <p:nvPicPr>
-          <p:cNvPr id="103" name="Google Shape;103;p19"/>
+          <p:cNvPr id="104" name="Google Shape;104;p19"/>
           <p:cNvPicPr preferRelativeResize="0"/>
           <p:nvPr/>
         </p:nvPicPr>
@@ -21106,7 +22371,7 @@
       </p:pic>
       <p:pic>
         <p:nvPicPr>
-          <p:cNvPr id="104" name="Google Shape;104;p19"/>
+          <p:cNvPr id="105" name="Google Shape;105;p19"/>
           <p:cNvPicPr preferRelativeResize="0"/>
           <p:nvPr/>
         </p:nvPicPr>
@@ -21151,7 +22416,7 @@
   <p:cSld>
     <p:spTree>
       <p:nvGrpSpPr>
-        <p:cNvPr id="1" name="Shape 108"/>
+        <p:cNvPr id="1" name="Shape 109"/>
         <p:cNvGrpSpPr/>
         <p:nvPr/>
       </p:nvGrpSpPr>
@@ -21165,7 +22430,7 @@
       </p:grpSpPr>
       <p:sp>
         <p:nvSpPr>
-          <p:cNvPr id="109" name="Google Shape;109;p20"/>
+          <p:cNvPr id="110" name="Google Shape;110;p20"/>
           <p:cNvSpPr txBox="1"/>
           <p:nvPr/>
         </p:nvSpPr>
@@ -21228,7 +22493,7 @@
       </p:sp>
       <p:sp>
         <p:nvSpPr>
-          <p:cNvPr id="110" name="Google Shape;110;p20"/>
+          <p:cNvPr id="111" name="Google Shape;111;p20"/>
           <p:cNvSpPr txBox="1"/>
           <p:nvPr/>
         </p:nvSpPr>
@@ -21422,7 +22687,7 @@
       </p:sp>
       <p:pic>
         <p:nvPicPr>
-          <p:cNvPr id="111" name="Google Shape;111;p20"/>
+          <p:cNvPr id="112" name="Google Shape;112;p20"/>
           <p:cNvPicPr preferRelativeResize="0"/>
           <p:nvPr/>
         </p:nvPicPr>
@@ -21461,7 +22726,7 @@
       </p:pic>
       <p:sp>
         <p:nvSpPr>
-          <p:cNvPr id="112" name="Google Shape;112;p20"/>
+          <p:cNvPr id="113" name="Google Shape;113;p20"/>
           <p:cNvSpPr txBox="1"/>
           <p:nvPr/>
         </p:nvSpPr>
@@ -21619,7 +22884,7 @@
       </p:sp>
       <p:pic>
         <p:nvPicPr>
-          <p:cNvPr id="113" name="Google Shape;113;p20"/>
+          <p:cNvPr id="114" name="Google Shape;114;p20"/>
           <p:cNvPicPr preferRelativeResize="0"/>
           <p:nvPr/>
         </p:nvPicPr>
@@ -21664,7 +22929,7 @@
   <p:cSld>
     <p:spTree>
       <p:nvGrpSpPr>
-        <p:cNvPr id="1" name="Shape 117"/>
+        <p:cNvPr id="1" name="Shape 118"/>
         <p:cNvGrpSpPr/>
         <p:nvPr/>
       </p:nvGrpSpPr>
@@ -21678,7 +22943,7 @@
       </p:grpSpPr>
       <p:sp>
         <p:nvSpPr>
-          <p:cNvPr id="118" name="Google Shape;118;p21"/>
+          <p:cNvPr id="119" name="Google Shape;119;p21"/>
           <p:cNvSpPr txBox="1"/>
           <p:nvPr/>
         </p:nvSpPr>
@@ -21741,7 +23006,7 @@
       </p:sp>
       <p:sp>
         <p:nvSpPr>
-          <p:cNvPr id="119" name="Google Shape;119;p21"/>
+          <p:cNvPr id="120" name="Google Shape;120;p21"/>
           <p:cNvSpPr txBox="1"/>
           <p:nvPr/>
         </p:nvSpPr>
@@ -21967,7 +23232,7 @@
       </p:sp>
       <p:sp>
         <p:nvSpPr>
-          <p:cNvPr id="120" name="Google Shape;120;p21"/>
+          <p:cNvPr id="121" name="Google Shape;121;p21"/>
           <p:cNvSpPr txBox="1"/>
           <p:nvPr/>
         </p:nvSpPr>
@@ -22334,7 +23599,7 @@
       </p:sp>
       <p:sp>
         <p:nvSpPr>
-          <p:cNvPr id="121" name="Google Shape;121;p21"/>
+          <p:cNvPr id="122" name="Google Shape;122;p21"/>
           <p:cNvSpPr txBox="1"/>
           <p:nvPr/>
         </p:nvSpPr>
@@ -22602,7 +23867,7 @@
       </p:sp>
       <p:sp>
         <p:nvSpPr>
-          <p:cNvPr id="122" name="Google Shape;122;p21"/>
+          <p:cNvPr id="123" name="Google Shape;123;p21"/>
           <p:cNvSpPr txBox="1"/>
           <p:nvPr/>
         </p:nvSpPr>
@@ -22890,7 +24155,7 @@
       </p:sp>
       <p:sp>
         <p:nvSpPr>
-          <p:cNvPr id="123" name="Google Shape;123;p21"/>
+          <p:cNvPr id="124" name="Google Shape;124;p21"/>
           <p:cNvSpPr txBox="1"/>
           <p:nvPr/>
         </p:nvSpPr>
@@ -22956,7 +24221,7 @@
       </p:sp>
       <p:sp>
         <p:nvSpPr>
-          <p:cNvPr id="124" name="Google Shape;124;p21"/>
+          <p:cNvPr id="125" name="Google Shape;125;p21"/>
           <p:cNvSpPr/>
           <p:nvPr/>
         </p:nvSpPr>
@@ -23006,7 +24271,7 @@
       </p:sp>
       <p:sp>
         <p:nvSpPr>
-          <p:cNvPr id="125" name="Google Shape;125;p21"/>
+          <p:cNvPr id="126" name="Google Shape;126;p21"/>
           <p:cNvSpPr/>
           <p:nvPr/>
         </p:nvSpPr>
@@ -23056,7 +24321,7 @@
       </p:sp>
       <p:sp>
         <p:nvSpPr>
-          <p:cNvPr id="126" name="Google Shape;126;p21"/>
+          <p:cNvPr id="127" name="Google Shape;127;p21"/>
           <p:cNvSpPr txBox="1"/>
           <p:nvPr/>
         </p:nvSpPr>
@@ -23122,7 +24387,7 @@
       </p:sp>
       <p:pic>
         <p:nvPicPr>
-          <p:cNvPr id="127" name="Google Shape;127;p21"/>
+          <p:cNvPr id="128" name="Google Shape;128;p21"/>
           <p:cNvPicPr preferRelativeResize="0"/>
           <p:nvPr/>
         </p:nvPicPr>
@@ -23159,6 +24424,118 @@
           </a:ln>
         </p:spPr>
       </p:pic>
+      <p:sp>
+        <p:nvSpPr>
+          <p:cNvPr id="2" name="Google Shape;120;p21">
+            <a:extLst>
+              <a:ext uri="{FF2B5EF4-FFF2-40B4-BE49-F238E27FC236}">
+                <a16:creationId xmlns:a16="http://schemas.microsoft.com/office/drawing/2014/main" id="{7A02340A-A419-CF7E-F998-4BC9ACD68950}"/>
+              </a:ext>
+            </a:extLst>
+          </p:cNvPr>
+          <p:cNvSpPr txBox="1"/>
+          <p:nvPr/>
+        </p:nvSpPr>
+        <p:spPr>
+          <a:xfrm>
+            <a:off x="5315200" y="4159903"/>
+            <a:ext cx="3016800" cy="203094"/>
+          </a:xfrm>
+          <a:prstGeom prst="rect">
+            <a:avLst/>
+          </a:prstGeom>
+          <a:solidFill>
+            <a:srgbClr val="FFF2CC"/>
+          </a:solidFill>
+          <a:ln w="9525" cap="flat" cmpd="sng">
+            <a:solidFill>
+              <a:srgbClr val="FF0000"/>
+            </a:solidFill>
+            <a:prstDash val="solid"/>
+            <a:round/>
+            <a:headEnd type="none" w="sm" len="sm"/>
+            <a:tailEnd type="none" w="sm" len="sm"/>
+          </a:ln>
+        </p:spPr>
+        <p:txBody>
+          <a:bodyPr spcFirstLastPara="1" wrap="square" lIns="9125" tIns="9125" rIns="9125" bIns="9125" anchor="t" anchorCtr="0">
+            <a:spAutoFit/>
+          </a:bodyPr>
+          <a:lstStyle/>
+          <a:p>
+            <a:pPr marL="0" lvl="0" indent="0" algn="l" rtl="0">
+              <a:spcBef>
+                <a:spcPts val="0"/>
+              </a:spcBef>
+              <a:spcAft>
+                <a:spcPts val="0"/>
+              </a:spcAft>
+              <a:buNone/>
+            </a:pPr>
+            <a:r>
+              <a:rPr lang="en-US" sz="1200" dirty="0">
+                <a:solidFill>
+                  <a:schemeClr val="dk1"/>
+                </a:solidFill>
+                <a:latin typeface="Calibri"/>
+                <a:ea typeface="Calibri"/>
+                <a:cs typeface="Calibri"/>
+                <a:sym typeface="Calibri"/>
+                <a:hlinkClick r:id="rId6"/>
+              </a:rPr>
+              <a:t>https://</a:t>
+            </a:r>
+            <a:r>
+              <a:rPr lang="en-US" sz="1200" dirty="0" err="1">
+                <a:solidFill>
+                  <a:schemeClr val="dk1"/>
+                </a:solidFill>
+                <a:latin typeface="Calibri"/>
+                <a:ea typeface="Calibri"/>
+                <a:cs typeface="Calibri"/>
+                <a:sym typeface="Calibri"/>
+                <a:hlinkClick r:id="rId6"/>
+              </a:rPr>
+              <a:t>www.youtube.com</a:t>
+            </a:r>
+            <a:r>
+              <a:rPr lang="en-US" sz="1200" dirty="0">
+                <a:solidFill>
+                  <a:schemeClr val="dk1"/>
+                </a:solidFill>
+                <a:latin typeface="Calibri"/>
+                <a:ea typeface="Calibri"/>
+                <a:cs typeface="Calibri"/>
+                <a:sym typeface="Calibri"/>
+                <a:hlinkClick r:id="rId6"/>
+              </a:rPr>
+              <a:t>/@</a:t>
+            </a:r>
+            <a:r>
+              <a:rPr lang="en-US" sz="1200" dirty="0" err="1">
+                <a:solidFill>
+                  <a:schemeClr val="dk1"/>
+                </a:solidFill>
+                <a:latin typeface="Calibri"/>
+                <a:ea typeface="Calibri"/>
+                <a:cs typeface="Calibri"/>
+                <a:sym typeface="Calibri"/>
+                <a:hlinkClick r:id="rId6"/>
+              </a:rPr>
+              <a:t>AndrejKarpathy</a:t>
+            </a:r>
+            <a:endParaRPr sz="1200" dirty="0">
+              <a:solidFill>
+                <a:schemeClr val="dk1"/>
+              </a:solidFill>
+              <a:latin typeface="Calibri"/>
+              <a:ea typeface="Calibri"/>
+              <a:cs typeface="Calibri"/>
+              <a:sym typeface="Calibri"/>
+            </a:endParaRPr>
+          </a:p>
+        </p:txBody>
+      </p:sp>
     </p:spTree>
   </p:cSld>
   <p:clrMapOvr>
@@ -23172,7 +24549,7 @@
   <p:cSld>
     <p:spTree>
       <p:nvGrpSpPr>
-        <p:cNvPr id="1" name="Shape 131"/>
+        <p:cNvPr id="1" name="Shape 132"/>
         <p:cNvGrpSpPr/>
         <p:nvPr/>
       </p:nvGrpSpPr>
@@ -23186,7 +24563,7 @@
       </p:grpSpPr>
       <p:sp>
         <p:nvSpPr>
-          <p:cNvPr id="132" name="Google Shape;132;p22"/>
+          <p:cNvPr id="133" name="Google Shape;133;p22"/>
           <p:cNvSpPr txBox="1"/>
           <p:nvPr/>
         </p:nvSpPr>
@@ -23249,7 +24626,7 @@
       </p:sp>
       <p:sp>
         <p:nvSpPr>
-          <p:cNvPr id="133" name="Google Shape;133;p22"/>
+          <p:cNvPr id="134" name="Google Shape;134;p22"/>
           <p:cNvSpPr txBox="1"/>
           <p:nvPr/>
         </p:nvSpPr>
@@ -23444,7 +24821,7 @@
       </p:sp>
       <p:sp>
         <p:nvSpPr>
-          <p:cNvPr id="134" name="Google Shape;134;p22"/>
+          <p:cNvPr id="135" name="Google Shape;135;p22"/>
           <p:cNvSpPr txBox="1"/>
           <p:nvPr/>
         </p:nvSpPr>
@@ -23850,7 +25227,7 @@
       </p:sp>
       <p:pic>
         <p:nvPicPr>
-          <p:cNvPr id="135" name="Google Shape;135;p22"/>
+          <p:cNvPr id="136" name="Google Shape;136;p22"/>
           <p:cNvPicPr preferRelativeResize="0"/>
           <p:nvPr/>
         </p:nvPicPr>
@@ -23884,7 +25261,7 @@
       </p:pic>
       <p:sp>
         <p:nvSpPr>
-          <p:cNvPr id="136" name="Google Shape;136;p22"/>
+          <p:cNvPr id="137" name="Google Shape;137;p22"/>
           <p:cNvSpPr txBox="1"/>
           <p:nvPr/>
         </p:nvSpPr>
@@ -23939,7 +25316,7 @@
                 <a:cs typeface="Calibri"/>
                 <a:sym typeface="Calibri"/>
               </a:rPr>
-              <a:t>Google wins contract with Salesforce against Microsoft</a:t>
+              <a:t>Google wins $2.5 Bln contract with Salesforce against Microsoft</a:t>
             </a:r>
             <a:endParaRPr sz="1200" b="1">
               <a:solidFill>
@@ -24042,7 +25419,7 @@
       </p:sp>
       <p:sp>
         <p:nvSpPr>
-          <p:cNvPr id="137" name="Google Shape;137;p22"/>
+          <p:cNvPr id="138" name="Google Shape;138;p22"/>
           <p:cNvSpPr txBox="1"/>
           <p:nvPr/>
         </p:nvSpPr>
@@ -24358,7 +25735,7 @@
   <p:cSld>
     <p:spTree>
       <p:nvGrpSpPr>
-        <p:cNvPr id="1" name="Shape 141"/>
+        <p:cNvPr id="1" name="Shape 142"/>
         <p:cNvGrpSpPr/>
         <p:nvPr/>
       </p:nvGrpSpPr>
@@ -24372,7 +25749,7 @@
       </p:grpSpPr>
       <p:sp>
         <p:nvSpPr>
-          <p:cNvPr id="142" name="Google Shape;142;p23"/>
+          <p:cNvPr id="143" name="Google Shape;143;p23"/>
           <p:cNvSpPr txBox="1"/>
           <p:nvPr/>
         </p:nvSpPr>
@@ -24435,7 +25812,7 @@
       </p:sp>
       <p:sp>
         <p:nvSpPr>
-          <p:cNvPr id="143" name="Google Shape;143;p23"/>
+          <p:cNvPr id="144" name="Google Shape;144;p23"/>
           <p:cNvSpPr txBox="1"/>
           <p:nvPr/>
         </p:nvSpPr>
@@ -24630,7 +26007,7 @@
       </p:sp>
       <p:pic>
         <p:nvPicPr>
-          <p:cNvPr id="144" name="Google Shape;144;p23"/>
+          <p:cNvPr id="145" name="Google Shape;145;p23"/>
           <p:cNvPicPr preferRelativeResize="0"/>
           <p:nvPr/>
         </p:nvPicPr>
@@ -24668,7 +26045,7 @@
       </p:pic>
       <p:sp>
         <p:nvSpPr>
-          <p:cNvPr id="145" name="Google Shape;145;p23"/>
+          <p:cNvPr id="146" name="Google Shape;146;p23"/>
           <p:cNvSpPr txBox="1"/>
           <p:nvPr/>
         </p:nvSpPr>
@@ -24850,7 +26227,7 @@
       </p:sp>
       <p:sp>
         <p:nvSpPr>
-          <p:cNvPr id="146" name="Google Shape;146;p23"/>
+          <p:cNvPr id="147" name="Google Shape;147;p23"/>
           <p:cNvSpPr txBox="1"/>
           <p:nvPr/>
         </p:nvSpPr>
@@ -24983,7 +26360,7 @@
       </p:sp>
       <p:sp>
         <p:nvSpPr>
-          <p:cNvPr id="147" name="Google Shape;147;p23"/>
+          <p:cNvPr id="148" name="Google Shape;148;p23"/>
           <p:cNvSpPr txBox="1"/>
           <p:nvPr/>
         </p:nvSpPr>
@@ -25264,7 +26641,7 @@
       </p:sp>
       <p:sp>
         <p:nvSpPr>
-          <p:cNvPr id="148" name="Google Shape;148;p23"/>
+          <p:cNvPr id="149" name="Google Shape;149;p23"/>
           <p:cNvSpPr txBox="1"/>
           <p:nvPr/>
         </p:nvSpPr>
@@ -25422,7 +26799,7 @@
       </p:sp>
       <p:sp>
         <p:nvSpPr>
-          <p:cNvPr id="149" name="Google Shape;149;p23"/>
+          <p:cNvPr id="150" name="Google Shape;150;p23"/>
           <p:cNvSpPr txBox="1"/>
           <p:nvPr/>
         </p:nvSpPr>
@@ -25621,7 +26998,7 @@
       </p:sp>
       <p:sp>
         <p:nvSpPr>
-          <p:cNvPr id="150" name="Google Shape;150;p23"/>
+          <p:cNvPr id="151" name="Google Shape;151;p23"/>
           <p:cNvSpPr txBox="1"/>
           <p:nvPr/>
         </p:nvSpPr>
@@ -25741,7 +27118,7 @@
       </p:sp>
       <p:pic>
         <p:nvPicPr>
-          <p:cNvPr id="151" name="Google Shape;151;p23"/>
+          <p:cNvPr id="152" name="Google Shape;152;p23"/>
           <p:cNvPicPr preferRelativeResize="0"/>
           <p:nvPr/>
         </p:nvPicPr>
@@ -25780,7 +27157,7 @@
       </p:pic>
       <p:pic>
         <p:nvPicPr>
-          <p:cNvPr id="152" name="Google Shape;152;p23"/>
+          <p:cNvPr id="153" name="Google Shape;153;p23"/>
           <p:cNvPicPr preferRelativeResize="0"/>
           <p:nvPr/>
         </p:nvPicPr>
@@ -25813,7 +27190,7 @@
       </p:pic>
       <p:pic>
         <p:nvPicPr>
-          <p:cNvPr id="153" name="Google Shape;153;p23"/>
+          <p:cNvPr id="154" name="Google Shape;154;p23"/>
           <p:cNvPicPr preferRelativeResize="0"/>
           <p:nvPr/>
         </p:nvPicPr>
